--- a/Desarrollo/SDM/MemoriaABP 16Ene/PresentaciónSDM.pptx
+++ b/Desarrollo/SDM/MemoriaABP 16Ene/PresentaciónSDM.pptx
@@ -110,6 +110,11 @@
       </a:defRPr>
     </a:lvl9pPr>
   </p:defaultTextStyle>
+  <p:extLst>
+    <p:ext uri="{EFAFB233-063F-42B5-8137-9DF3F51BA10A}">
+      <p15:sldGuideLst xmlns:p15="http://schemas.microsoft.com/office/powerpoint/2012/main"/>
+    </p:ext>
+  </p:extLst>
 </p:presentation>
 </file>
 
@@ -208,7 +213,7 @@
           <a:effectLst/>
           <a:extLst>
             <a:ext uri="{91240B29-F687-4f45-9708-019B960494DF}">
-              <a14:hiddenLine xmlns:a14="http://schemas.microsoft.com/office/drawing/2010/main" xmlns="" w="9525">
+              <a14:hiddenLine xmlns="" xmlns:a14="http://schemas.microsoft.com/office/drawing/2010/main" w="9525">
                 <a:solidFill>
                   <a:srgbClr val="000000"/>
                 </a:solidFill>
@@ -1718,7 +1723,7 @@
           <a:ln/>
           <a:extLst>
             <a:ext uri="{91240B29-F687-4f45-9708-019B960494DF}">
-              <a14:hiddenLine xmlns:a14="http://schemas.microsoft.com/office/drawing/2010/main" xmlns="" w="9525">
+              <a14:hiddenLine xmlns="" xmlns:a14="http://schemas.microsoft.com/office/drawing/2010/main" w="9525">
                 <a:solidFill>
                   <a:srgbClr val="000000"/>
                 </a:solidFill>
@@ -1990,7 +1995,7 @@
           <a:ln/>
           <a:extLst>
             <a:ext uri="{91240B29-F687-4f45-9708-019B960494DF}">
-              <a14:hiddenLine xmlns:a14="http://schemas.microsoft.com/office/drawing/2010/main" xmlns="" w="9525">
+              <a14:hiddenLine xmlns="" xmlns:a14="http://schemas.microsoft.com/office/drawing/2010/main" w="9525">
                 <a:solidFill>
                   <a:srgbClr val="000000"/>
                 </a:solidFill>
@@ -2270,7 +2275,7 @@
           <a:ln/>
           <a:extLst>
             <a:ext uri="{91240B29-F687-4f45-9708-019B960494DF}">
-              <a14:hiddenLine xmlns:a14="http://schemas.microsoft.com/office/drawing/2010/main" xmlns="" w="9525">
+              <a14:hiddenLine xmlns="" xmlns:a14="http://schemas.microsoft.com/office/drawing/2010/main" w="9525">
                 <a:solidFill>
                   <a:srgbClr val="000000"/>
                 </a:solidFill>
@@ -2890,7 +2895,7 @@
           <a:ln/>
           <a:extLst>
             <a:ext uri="{91240B29-F687-4f45-9708-019B960494DF}">
-              <a14:hiddenLine xmlns:a14="http://schemas.microsoft.com/office/drawing/2010/main" xmlns="" w="9525">
+              <a14:hiddenLine xmlns="" xmlns:a14="http://schemas.microsoft.com/office/drawing/2010/main" w="9525">
                 <a:solidFill>
                   <a:srgbClr val="000000"/>
                 </a:solidFill>
@@ -3226,7 +3231,7 @@
           <a:ln/>
           <a:extLst>
             <a:ext uri="{91240B29-F687-4f45-9708-019B960494DF}">
-              <a14:hiddenLine xmlns:a14="http://schemas.microsoft.com/office/drawing/2010/main" xmlns="" w="9525">
+              <a14:hiddenLine xmlns="" xmlns:a14="http://schemas.microsoft.com/office/drawing/2010/main" w="9525">
                 <a:solidFill>
                   <a:srgbClr val="000000"/>
                 </a:solidFill>
@@ -3700,7 +3705,7 @@
           <a:ln/>
           <a:extLst>
             <a:ext uri="{91240B29-F687-4f45-9708-019B960494DF}">
-              <a14:hiddenLine xmlns:a14="http://schemas.microsoft.com/office/drawing/2010/main" xmlns="" w="9525">
+              <a14:hiddenLine xmlns="" xmlns:a14="http://schemas.microsoft.com/office/drawing/2010/main" w="9525">
                 <a:solidFill>
                   <a:srgbClr val="000000"/>
                 </a:solidFill>
@@ -4123,7 +4128,7 @@
           <a:ln/>
           <a:extLst>
             <a:ext uri="{91240B29-F687-4f45-9708-019B960494DF}">
-              <a14:hiddenLine xmlns:a14="http://schemas.microsoft.com/office/drawing/2010/main" xmlns="" w="9525">
+              <a14:hiddenLine xmlns="" xmlns:a14="http://schemas.microsoft.com/office/drawing/2010/main" w="9525">
                 <a:solidFill>
                   <a:srgbClr val="000000"/>
                 </a:solidFill>
@@ -5471,9 +5476,14 @@
           <a:p>
             <a:r>
               <a:rPr lang="es-ES" dirty="0"/>
-              <a:t>Evolución académica de los alumnos </a:t>
-            </a:r>
-            <a:endParaRPr lang="es-ES" dirty="0"/>
+              <a:t>Evolución académica de los alumnos</a:t>
+            </a:r>
+          </a:p>
+          <a:p>
+            <a:r>
+              <a:rPr lang="es-ES" dirty="0"/>
+              <a:t>Firma de autorizaciones </a:t>
+            </a:r>
           </a:p>
         </p:txBody>
       </p:sp>
@@ -5529,25 +5539,210 @@
           </a:p>
         </p:txBody>
       </p:sp>
-      <p:sp>
-        <p:nvSpPr>
-          <p:cNvPr id="3" name="Marcador de contenido 2"/>
-          <p:cNvSpPr>
-            <a:spLocks noGrp="1"/>
-          </p:cNvSpPr>
+      <p:pic>
+        <p:nvPicPr>
+          <p:cNvPr id="4" name="Marcador de contenido 3" descr="Macintosh HD:private:var:folders:1g:hdwf5qys7n7d77pmfmz3z6940000gn:T:TemporaryItems:19107-1.png"/>
+          <p:cNvPicPr>
+            <a:picLocks noGrp="1"/>
+          </p:cNvPicPr>
           <p:nvPr>
             <p:ph idx="1"/>
           </p:nvPr>
-        </p:nvSpPr>
-        <p:spPr/>
-        <p:txBody>
-          <a:bodyPr/>
-          <a:lstStyle/>
-          <a:p>
-            <a:endParaRPr lang="es-ES"/>
-          </a:p>
-        </p:txBody>
-      </p:sp>
+        </p:nvPicPr>
+        <p:blipFill>
+          <a:blip r:embed="rId2">
+            <a:extLst>
+              <a:ext uri="{28A0092B-C50C-407E-A947-70E740481C1C}">
+                <a14:useLocalDpi xmlns:a14="http://schemas.microsoft.com/office/drawing/2010/main" val="0"/>
+              </a:ext>
+            </a:extLst>
+          </a:blip>
+          <a:srcRect/>
+          <a:stretch>
+            <a:fillRect/>
+          </a:stretch>
+        </p:blipFill>
+        <p:spPr bwMode="auto">
+          <a:xfrm>
+            <a:off x="607935" y="2574193"/>
+            <a:ext cx="1775860" cy="3636963"/>
+          </a:xfrm>
+          <a:prstGeom prst="rect">
+            <a:avLst/>
+          </a:prstGeom>
+          <a:noFill/>
+          <a:ln>
+            <a:noFill/>
+          </a:ln>
+          <a:effectLst>
+            <a:outerShdw blurRad="50800" dist="38100" dir="2700000" algn="tl" rotWithShape="0">
+              <a:srgbClr val="000000">
+                <a:alpha val="43000"/>
+              </a:srgbClr>
+            </a:outerShdw>
+          </a:effectLst>
+        </p:spPr>
+      </p:pic>
+      <p:pic>
+        <p:nvPicPr>
+          <p:cNvPr id="5" name="Imagen 4" descr="Macintosh HD:private:var:folders:1g:hdwf5qys7n7d77pmfmz3z6940000gn:T:TemporaryItems:19107-4.png"/>
+          <p:cNvPicPr/>
+          <p:nvPr/>
+        </p:nvPicPr>
+        <p:blipFill>
+          <a:blip r:embed="rId3">
+            <a:extLst>
+              <a:ext uri="{28A0092B-C50C-407E-A947-70E740481C1C}">
+                <a14:useLocalDpi xmlns:a14="http://schemas.microsoft.com/office/drawing/2010/main" val="0"/>
+              </a:ext>
+            </a:extLst>
+          </a:blip>
+          <a:srcRect/>
+          <a:stretch>
+            <a:fillRect/>
+          </a:stretch>
+        </p:blipFill>
+        <p:spPr bwMode="auto">
+          <a:xfrm>
+            <a:off x="2956045" y="2555772"/>
+            <a:ext cx="1784716" cy="3655384"/>
+          </a:xfrm>
+          <a:prstGeom prst="rect">
+            <a:avLst/>
+          </a:prstGeom>
+          <a:noFill/>
+          <a:ln>
+            <a:noFill/>
+          </a:ln>
+          <a:effectLst>
+            <a:outerShdw blurRad="50800" dist="38100" dir="2700000" algn="tl" rotWithShape="0">
+              <a:srgbClr val="000000">
+                <a:alpha val="43000"/>
+              </a:srgbClr>
+            </a:outerShdw>
+          </a:effectLst>
+        </p:spPr>
+      </p:pic>
+      <p:pic>
+        <p:nvPicPr>
+          <p:cNvPr id="6" name="Imagen 5" descr="Macintosh HD:private:var:folders:1g:hdwf5qys7n7d77pmfmz3z6940000gn:T:TemporaryItems:19107-7.png"/>
+          <p:cNvPicPr/>
+          <p:nvPr/>
+        </p:nvPicPr>
+        <p:blipFill>
+          <a:blip r:embed="rId4">
+            <a:extLst>
+              <a:ext uri="{28A0092B-C50C-407E-A947-70E740481C1C}">
+                <a14:useLocalDpi xmlns:a14="http://schemas.microsoft.com/office/drawing/2010/main" val="0"/>
+              </a:ext>
+            </a:extLst>
+          </a:blip>
+          <a:srcRect/>
+          <a:stretch>
+            <a:fillRect/>
+          </a:stretch>
+        </p:blipFill>
+        <p:spPr bwMode="auto">
+          <a:xfrm>
+            <a:off x="5313011" y="2557526"/>
+            <a:ext cx="1783959" cy="3653630"/>
+          </a:xfrm>
+          <a:prstGeom prst="rect">
+            <a:avLst/>
+          </a:prstGeom>
+          <a:noFill/>
+          <a:ln>
+            <a:noFill/>
+          </a:ln>
+          <a:effectLst>
+            <a:outerShdw blurRad="50800" dist="38100" dir="2700000" algn="tl" rotWithShape="0">
+              <a:srgbClr val="000000">
+                <a:alpha val="43000"/>
+              </a:srgbClr>
+            </a:outerShdw>
+          </a:effectLst>
+        </p:spPr>
+      </p:pic>
+      <p:pic>
+        <p:nvPicPr>
+          <p:cNvPr id="7" name="Imagen 6" descr="Macintosh HD:private:var:folders:1g:hdwf5qys7n7d77pmfmz3z6940000gn:T:TemporaryItems:19107-17.png"/>
+          <p:cNvPicPr/>
+          <p:nvPr/>
+        </p:nvPicPr>
+        <p:blipFill>
+          <a:blip r:embed="rId5">
+            <a:extLst>
+              <a:ext uri="{28A0092B-C50C-407E-A947-70E740481C1C}">
+                <a14:useLocalDpi xmlns:a14="http://schemas.microsoft.com/office/drawing/2010/main" val="0"/>
+              </a:ext>
+            </a:extLst>
+          </a:blip>
+          <a:srcRect/>
+          <a:stretch>
+            <a:fillRect/>
+          </a:stretch>
+        </p:blipFill>
+        <p:spPr bwMode="auto">
+          <a:xfrm>
+            <a:off x="7669220" y="2574193"/>
+            <a:ext cx="1775786" cy="3636963"/>
+          </a:xfrm>
+          <a:prstGeom prst="rect">
+            <a:avLst/>
+          </a:prstGeom>
+          <a:noFill/>
+          <a:ln>
+            <a:noFill/>
+          </a:ln>
+          <a:effectLst>
+            <a:outerShdw blurRad="50800" dist="38100" dir="2700000" algn="tl" rotWithShape="0">
+              <a:srgbClr val="000000">
+                <a:alpha val="43000"/>
+              </a:srgbClr>
+            </a:outerShdw>
+          </a:effectLst>
+        </p:spPr>
+      </p:pic>
+      <p:pic>
+        <p:nvPicPr>
+          <p:cNvPr id="8" name="Imagen 7" descr="Macintosh HD:private:var:folders:1g:hdwf5qys7n7d77pmfmz3z6940000gn:T:TemporaryItems:19107-20.png"/>
+          <p:cNvPicPr/>
+          <p:nvPr/>
+        </p:nvPicPr>
+        <p:blipFill>
+          <a:blip r:embed="rId6">
+            <a:extLst>
+              <a:ext uri="{28A0092B-C50C-407E-A947-70E740481C1C}">
+                <a14:useLocalDpi xmlns:a14="http://schemas.microsoft.com/office/drawing/2010/main" val="0"/>
+              </a:ext>
+            </a:extLst>
+          </a:blip>
+          <a:srcRect/>
+          <a:stretch>
+            <a:fillRect/>
+          </a:stretch>
+        </p:blipFill>
+        <p:spPr bwMode="auto">
+          <a:xfrm>
+            <a:off x="9881187" y="2555772"/>
+            <a:ext cx="1784868" cy="3655384"/>
+          </a:xfrm>
+          <a:prstGeom prst="rect">
+            <a:avLst/>
+          </a:prstGeom>
+          <a:noFill/>
+          <a:ln>
+            <a:noFill/>
+          </a:ln>
+          <a:effectLst>
+            <a:outerShdw blurRad="50800" dist="38100" dir="2700000" algn="tl" rotWithShape="0">
+              <a:srgbClr val="000000">
+                <a:alpha val="43000"/>
+              </a:srgbClr>
+            </a:outerShdw>
+          </a:effectLst>
+        </p:spPr>
+      </p:pic>
     </p:spTree>
     <p:extLst>
       <p:ext uri="{BB962C8B-B14F-4D97-AF65-F5344CB8AC3E}">
@@ -5796,7 +5991,6 @@
               <a:rPr lang="es-ES"/>
               <a:t>CERO</a:t>
             </a:r>
-            <a:endParaRPr lang="es-ES"/>
           </a:p>
         </p:txBody>
       </p:sp>

--- a/Desarrollo/SDM/MemoriaABP 16Ene/PresentaciónSDM.pptx
+++ b/Desarrollo/SDM/MemoriaABP 16Ene/PresentaciónSDM.pptx
@@ -11,7 +11,6 @@
     <p:sldId id="259" r:id="rId5"/>
     <p:sldId id="260" r:id="rId6"/>
     <p:sldId id="261" r:id="rId7"/>
-    <p:sldId id="262" r:id="rId8"/>
   </p:sldIdLst>
   <p:sldSz cx="12192000" cy="6858000"/>
   <p:notesSz cx="6858000" cy="9144000"/>
@@ -213,7 +212,7 @@
           <a:effectLst/>
           <a:extLst>
             <a:ext uri="{91240B29-F687-4f45-9708-019B960494DF}">
-              <a14:hiddenLine xmlns="" xmlns:a14="http://schemas.microsoft.com/office/drawing/2010/main" w="9525">
+              <a14:hiddenLine xmlns:a14="http://schemas.microsoft.com/office/drawing/2010/main" xmlns="" w="9525">
                 <a:solidFill>
                   <a:srgbClr val="000000"/>
                 </a:solidFill>
@@ -1723,7 +1722,7 @@
           <a:ln/>
           <a:extLst>
             <a:ext uri="{91240B29-F687-4f45-9708-019B960494DF}">
-              <a14:hiddenLine xmlns="" xmlns:a14="http://schemas.microsoft.com/office/drawing/2010/main" w="9525">
+              <a14:hiddenLine xmlns:a14="http://schemas.microsoft.com/office/drawing/2010/main" xmlns="" w="9525">
                 <a:solidFill>
                   <a:srgbClr val="000000"/>
                 </a:solidFill>
@@ -1995,7 +1994,7 @@
           <a:ln/>
           <a:extLst>
             <a:ext uri="{91240B29-F687-4f45-9708-019B960494DF}">
-              <a14:hiddenLine xmlns="" xmlns:a14="http://schemas.microsoft.com/office/drawing/2010/main" w="9525">
+              <a14:hiddenLine xmlns:a14="http://schemas.microsoft.com/office/drawing/2010/main" xmlns="" w="9525">
                 <a:solidFill>
                   <a:srgbClr val="000000"/>
                 </a:solidFill>
@@ -2275,7 +2274,7 @@
           <a:ln/>
           <a:extLst>
             <a:ext uri="{91240B29-F687-4f45-9708-019B960494DF}">
-              <a14:hiddenLine xmlns="" xmlns:a14="http://schemas.microsoft.com/office/drawing/2010/main" w="9525">
+              <a14:hiddenLine xmlns:a14="http://schemas.microsoft.com/office/drawing/2010/main" xmlns="" w="9525">
                 <a:solidFill>
                   <a:srgbClr val="000000"/>
                 </a:solidFill>
@@ -2895,7 +2894,7 @@
           <a:ln/>
           <a:extLst>
             <a:ext uri="{91240B29-F687-4f45-9708-019B960494DF}">
-              <a14:hiddenLine xmlns="" xmlns:a14="http://schemas.microsoft.com/office/drawing/2010/main" w="9525">
+              <a14:hiddenLine xmlns:a14="http://schemas.microsoft.com/office/drawing/2010/main" xmlns="" w="9525">
                 <a:solidFill>
                   <a:srgbClr val="000000"/>
                 </a:solidFill>
@@ -3231,7 +3230,7 @@
           <a:ln/>
           <a:extLst>
             <a:ext uri="{91240B29-F687-4f45-9708-019B960494DF}">
-              <a14:hiddenLine xmlns="" xmlns:a14="http://schemas.microsoft.com/office/drawing/2010/main" w="9525">
+              <a14:hiddenLine xmlns:a14="http://schemas.microsoft.com/office/drawing/2010/main" xmlns="" w="9525">
                 <a:solidFill>
                   <a:srgbClr val="000000"/>
                 </a:solidFill>
@@ -3705,7 +3704,7 @@
           <a:ln/>
           <a:extLst>
             <a:ext uri="{91240B29-F687-4f45-9708-019B960494DF}">
-              <a14:hiddenLine xmlns="" xmlns:a14="http://schemas.microsoft.com/office/drawing/2010/main" w="9525">
+              <a14:hiddenLine xmlns:a14="http://schemas.microsoft.com/office/drawing/2010/main" xmlns="" w="9525">
                 <a:solidFill>
                   <a:srgbClr val="000000"/>
                 </a:solidFill>
@@ -4128,7 +4127,7 @@
           <a:ln/>
           <a:extLst>
             <a:ext uri="{91240B29-F687-4f45-9708-019B960494DF}">
-              <a14:hiddenLine xmlns="" xmlns:a14="http://schemas.microsoft.com/office/drawing/2010/main" w="9525">
+              <a14:hiddenLine xmlns:a14="http://schemas.microsoft.com/office/drawing/2010/main" xmlns="" w="9525">
                 <a:solidFill>
                   <a:srgbClr val="000000"/>
                 </a:solidFill>
@@ -5395,6 +5394,41 @@
           </a:p>
         </p:txBody>
       </p:sp>
+      <p:pic>
+        <p:nvPicPr>
+          <p:cNvPr id="4" name="Imagen 3"/>
+          <p:cNvPicPr>
+            <a:picLocks noChangeAspect="1"/>
+          </p:cNvPicPr>
+          <p:nvPr/>
+        </p:nvPicPr>
+        <p:blipFill>
+          <a:blip r:embed="rId2"/>
+          <a:stretch>
+            <a:fillRect/>
+          </a:stretch>
+        </p:blipFill>
+        <p:spPr>
+          <a:xfrm>
+            <a:off x="10601739" y="214098"/>
+            <a:ext cx="1235049" cy="1235049"/>
+          </a:xfrm>
+          <a:prstGeom prst="roundRect">
+            <a:avLst>
+              <a:gd name="adj" fmla="val 8594"/>
+            </a:avLst>
+          </a:prstGeom>
+          <a:solidFill>
+            <a:srgbClr val="FFFFFF">
+              <a:shade val="85000"/>
+            </a:srgbClr>
+          </a:solidFill>
+          <a:ln>
+            <a:noFill/>
+          </a:ln>
+          <a:effectLst/>
+        </p:spPr>
+      </p:pic>
     </p:spTree>
     <p:extLst>
       <p:ext uri="{BB962C8B-B14F-4D97-AF65-F5344CB8AC3E}">
@@ -5988,8 +6022,26 @@
           <a:lstStyle/>
           <a:p>
             <a:r>
-              <a:rPr lang="es-ES"/>
-              <a:t>CERO</a:t>
+              <a:rPr lang="es-ES" dirty="0"/>
+              <a:t>Cambio de tecnología</a:t>
+            </a:r>
+          </a:p>
+          <a:p>
+            <a:r>
+              <a:rPr lang="es-ES" dirty="0"/>
+              <a:t>Imposibilidad de cumplir</a:t>
+            </a:r>
+          </a:p>
+          <a:p>
+            <a:r>
+              <a:rPr lang="es-ES" dirty="0"/>
+              <a:t>Pero si en el futuro cercano</a:t>
+            </a:r>
+          </a:p>
+          <a:p>
+            <a:r>
+              <a:rPr lang="es-ES" dirty="0"/>
+              <a:t>Salimos reforzados por la investigación</a:t>
             </a:r>
           </a:p>
         </p:txBody>
@@ -5998,77 +6050,6 @@
     <p:extLst>
       <p:ext uri="{BB962C8B-B14F-4D97-AF65-F5344CB8AC3E}">
         <p14:creationId xmlns:p14="http://schemas.microsoft.com/office/powerpoint/2010/main" val="3000945233"/>
-      </p:ext>
-    </p:extLst>
-  </p:cSld>
-  <p:clrMapOvr>
-    <a:masterClrMapping/>
-  </p:clrMapOvr>
-</p:sld>
-</file>
-
-<file path=ppt/slides/slide7.xml><?xml version="1.0" encoding="utf-8"?>
-<p:sld xmlns:a="http://schemas.openxmlformats.org/drawingml/2006/main" xmlns:r="http://schemas.openxmlformats.org/officeDocument/2006/relationships" xmlns:p="http://schemas.openxmlformats.org/presentationml/2006/main">
-  <p:cSld>
-    <p:spTree>
-      <p:nvGrpSpPr>
-        <p:cNvPr id="1" name=""/>
-        <p:cNvGrpSpPr/>
-        <p:nvPr/>
-      </p:nvGrpSpPr>
-      <p:grpSpPr>
-        <a:xfrm>
-          <a:off x="0" y="0"/>
-          <a:ext cx="0" cy="0"/>
-          <a:chOff x="0" y="0"/>
-          <a:chExt cx="0" cy="0"/>
-        </a:xfrm>
-      </p:grpSpPr>
-      <p:sp>
-        <p:nvSpPr>
-          <p:cNvPr id="2" name="Título 1"/>
-          <p:cNvSpPr>
-            <a:spLocks noGrp="1"/>
-          </p:cNvSpPr>
-          <p:nvPr>
-            <p:ph type="title"/>
-          </p:nvPr>
-        </p:nvSpPr>
-        <p:spPr/>
-        <p:txBody>
-          <a:bodyPr/>
-          <a:lstStyle/>
-          <a:p>
-            <a:r>
-              <a:rPr lang="es-ES" dirty="0"/>
-              <a:t>Conclusiones</a:t>
-            </a:r>
-          </a:p>
-        </p:txBody>
-      </p:sp>
-      <p:sp>
-        <p:nvSpPr>
-          <p:cNvPr id="3" name="Marcador de contenido 2"/>
-          <p:cNvSpPr>
-            <a:spLocks noGrp="1"/>
-          </p:cNvSpPr>
-          <p:nvPr>
-            <p:ph idx="1"/>
-          </p:nvPr>
-        </p:nvSpPr>
-        <p:spPr/>
-        <p:txBody>
-          <a:bodyPr/>
-          <a:lstStyle/>
-          <a:p>
-            <a:endParaRPr lang="es-ES"/>
-          </a:p>
-        </p:txBody>
-      </p:sp>
-    </p:spTree>
-    <p:extLst>
-      <p:ext uri="{BB962C8B-B14F-4D97-AF65-F5344CB8AC3E}">
-        <p14:creationId xmlns:p14="http://schemas.microsoft.com/office/powerpoint/2010/main" val="1393127868"/>
       </p:ext>
     </p:extLst>
   </p:cSld>

--- a/Desarrollo/SDM/MemoriaABP 16Ene/PresentaciónSDM.pptx
+++ b/Desarrollo/SDM/MemoriaABP 16Ene/PresentaciónSDM.pptx
@@ -5829,25 +5829,245 @@
           </a:p>
         </p:txBody>
       </p:sp>
-      <p:sp>
-        <p:nvSpPr>
-          <p:cNvPr id="3" name="Marcador de contenido 2"/>
-          <p:cNvSpPr>
-            <a:spLocks noGrp="1"/>
-          </p:cNvSpPr>
+      <p:pic>
+        <p:nvPicPr>
+          <p:cNvPr id="4" name="Marcador de contenido 3"/>
+          <p:cNvPicPr>
+            <a:picLocks noGrp="1" noChangeAspect="1"/>
+          </p:cNvPicPr>
           <p:nvPr>
             <p:ph idx="1"/>
           </p:nvPr>
-        </p:nvSpPr>
-        <p:spPr/>
-        <p:txBody>
-          <a:bodyPr/>
-          <a:lstStyle/>
-          <a:p>
-            <a:endParaRPr lang="es-ES"/>
-          </a:p>
-        </p:txBody>
-      </p:sp>
+        </p:nvPicPr>
+        <p:blipFill>
+          <a:blip r:embed="rId2"/>
+          <a:stretch>
+            <a:fillRect/>
+          </a:stretch>
+        </p:blipFill>
+        <p:spPr>
+          <a:xfrm>
+            <a:off x="450166" y="2561458"/>
+            <a:ext cx="1287266" cy="1287266"/>
+          </a:xfrm>
+        </p:spPr>
+      </p:pic>
+      <p:pic>
+        <p:nvPicPr>
+          <p:cNvPr id="5" name="Imagen 4"/>
+          <p:cNvPicPr>
+            <a:picLocks noChangeAspect="1"/>
+          </p:cNvPicPr>
+          <p:nvPr/>
+        </p:nvPicPr>
+        <p:blipFill>
+          <a:blip r:embed="rId3"/>
+          <a:stretch>
+            <a:fillRect/>
+          </a:stretch>
+        </p:blipFill>
+        <p:spPr>
+          <a:xfrm>
+            <a:off x="2365644" y="2561458"/>
+            <a:ext cx="1294302" cy="1294302"/>
+          </a:xfrm>
+          <a:prstGeom prst="rect">
+            <a:avLst/>
+          </a:prstGeom>
+        </p:spPr>
+      </p:pic>
+      <p:pic>
+        <p:nvPicPr>
+          <p:cNvPr id="6" name="Imagen 5"/>
+          <p:cNvPicPr>
+            <a:picLocks noChangeAspect="1"/>
+          </p:cNvPicPr>
+          <p:nvPr/>
+        </p:nvPicPr>
+        <p:blipFill>
+          <a:blip r:embed="rId4"/>
+          <a:stretch>
+            <a:fillRect/>
+          </a:stretch>
+        </p:blipFill>
+        <p:spPr>
+          <a:xfrm>
+            <a:off x="4288158" y="2561458"/>
+            <a:ext cx="1592137" cy="1274979"/>
+          </a:xfrm>
+          <a:prstGeom prst="rect">
+            <a:avLst/>
+          </a:prstGeom>
+        </p:spPr>
+      </p:pic>
+      <p:pic>
+        <p:nvPicPr>
+          <p:cNvPr id="7" name="Imagen 6"/>
+          <p:cNvPicPr>
+            <a:picLocks noChangeAspect="1"/>
+          </p:cNvPicPr>
+          <p:nvPr/>
+        </p:nvPicPr>
+        <p:blipFill>
+          <a:blip r:embed="rId5"/>
+          <a:stretch>
+            <a:fillRect/>
+          </a:stretch>
+        </p:blipFill>
+        <p:spPr>
+          <a:xfrm>
+            <a:off x="6508507" y="2561458"/>
+            <a:ext cx="1256859" cy="1256859"/>
+          </a:xfrm>
+          <a:prstGeom prst="rect">
+            <a:avLst/>
+          </a:prstGeom>
+        </p:spPr>
+      </p:pic>
+      <p:pic>
+        <p:nvPicPr>
+          <p:cNvPr id="8" name="Imagen 7"/>
+          <p:cNvPicPr>
+            <a:picLocks noChangeAspect="1"/>
+          </p:cNvPicPr>
+          <p:nvPr/>
+        </p:nvPicPr>
+        <p:blipFill>
+          <a:blip r:embed="rId6"/>
+          <a:stretch>
+            <a:fillRect/>
+          </a:stretch>
+        </p:blipFill>
+        <p:spPr>
+          <a:xfrm>
+            <a:off x="8393578" y="2561458"/>
+            <a:ext cx="1256859" cy="1256859"/>
+          </a:xfrm>
+          <a:prstGeom prst="rect">
+            <a:avLst/>
+          </a:prstGeom>
+        </p:spPr>
+      </p:pic>
+      <p:pic>
+        <p:nvPicPr>
+          <p:cNvPr id="9" name="Imagen 8"/>
+          <p:cNvPicPr>
+            <a:picLocks noChangeAspect="1"/>
+          </p:cNvPicPr>
+          <p:nvPr/>
+        </p:nvPicPr>
+        <p:blipFill>
+          <a:blip r:embed="rId7"/>
+          <a:stretch>
+            <a:fillRect/>
+          </a:stretch>
+        </p:blipFill>
+        <p:spPr>
+          <a:xfrm>
+            <a:off x="450166" y="4507524"/>
+            <a:ext cx="1287266" cy="1287266"/>
+          </a:xfrm>
+          <a:prstGeom prst="rect">
+            <a:avLst/>
+          </a:prstGeom>
+        </p:spPr>
+      </p:pic>
+      <p:pic>
+        <p:nvPicPr>
+          <p:cNvPr id="10" name="Imagen 9"/>
+          <p:cNvPicPr>
+            <a:picLocks noChangeAspect="1"/>
+          </p:cNvPicPr>
+          <p:nvPr/>
+        </p:nvPicPr>
+        <p:blipFill>
+          <a:blip r:embed="rId8"/>
+          <a:stretch>
+            <a:fillRect/>
+          </a:stretch>
+        </p:blipFill>
+        <p:spPr>
+          <a:xfrm>
+            <a:off x="2365644" y="4471387"/>
+            <a:ext cx="1265211" cy="1265211"/>
+          </a:xfrm>
+          <a:prstGeom prst="rect">
+            <a:avLst/>
+          </a:prstGeom>
+        </p:spPr>
+      </p:pic>
+      <p:pic>
+        <p:nvPicPr>
+          <p:cNvPr id="11" name="Imagen 10"/>
+          <p:cNvPicPr>
+            <a:picLocks noChangeAspect="1"/>
+          </p:cNvPicPr>
+          <p:nvPr/>
+        </p:nvPicPr>
+        <p:blipFill>
+          <a:blip r:embed="rId9"/>
+          <a:stretch>
+            <a:fillRect/>
+          </a:stretch>
+        </p:blipFill>
+        <p:spPr>
+          <a:xfrm>
+            <a:off x="4288158" y="4471387"/>
+            <a:ext cx="1265211" cy="1265211"/>
+          </a:xfrm>
+          <a:prstGeom prst="rect">
+            <a:avLst/>
+          </a:prstGeom>
+        </p:spPr>
+      </p:pic>
+      <p:pic>
+        <p:nvPicPr>
+          <p:cNvPr id="12" name="Imagen 11"/>
+          <p:cNvPicPr>
+            <a:picLocks noChangeAspect="1"/>
+          </p:cNvPicPr>
+          <p:nvPr/>
+        </p:nvPicPr>
+        <p:blipFill>
+          <a:blip r:embed="rId10"/>
+          <a:stretch>
+            <a:fillRect/>
+          </a:stretch>
+        </p:blipFill>
+        <p:spPr>
+          <a:xfrm>
+            <a:off x="6504784" y="4476016"/>
+            <a:ext cx="1260582" cy="1260582"/>
+          </a:xfrm>
+          <a:prstGeom prst="rect">
+            <a:avLst/>
+          </a:prstGeom>
+        </p:spPr>
+      </p:pic>
+      <p:pic>
+        <p:nvPicPr>
+          <p:cNvPr id="13" name="Imagen 12"/>
+          <p:cNvPicPr>
+            <a:picLocks noChangeAspect="1"/>
+          </p:cNvPicPr>
+          <p:nvPr/>
+        </p:nvPicPr>
+        <p:blipFill>
+          <a:blip r:embed="rId11"/>
+          <a:stretch>
+            <a:fillRect/>
+          </a:stretch>
+        </p:blipFill>
+        <p:spPr>
+          <a:xfrm>
+            <a:off x="8393577" y="4468519"/>
+            <a:ext cx="1256859" cy="1268080"/>
+          </a:xfrm>
+          <a:prstGeom prst="rect">
+            <a:avLst/>
+          </a:prstGeom>
+        </p:spPr>
+      </p:pic>
     </p:spTree>
     <p:extLst>
       <p:ext uri="{BB962C8B-B14F-4D97-AF65-F5344CB8AC3E}">

--- a/Desarrollo/SDM/MemoriaABP 16Ene/PresentaciónSDM.pptx
+++ b/Desarrollo/SDM/MemoriaABP 16Ene/PresentaciónSDM.pptx
@@ -11,6 +11,7 @@
     <p:sldId id="259" r:id="rId5"/>
     <p:sldId id="260" r:id="rId6"/>
     <p:sldId id="261" r:id="rId7"/>
+    <p:sldId id="262" r:id="rId8"/>
   </p:sldIdLst>
   <p:sldSz cx="12192000" cy="6858000"/>
   <p:notesSz cx="6858000" cy="9144000"/>
@@ -212,7 +213,7 @@
           <a:effectLst/>
           <a:extLst>
             <a:ext uri="{91240B29-F687-4f45-9708-019B960494DF}">
-              <a14:hiddenLine xmlns:a14="http://schemas.microsoft.com/office/drawing/2010/main" xmlns="" w="9525">
+              <a14:hiddenLine xmlns="" xmlns:a14="http://schemas.microsoft.com/office/drawing/2010/main" w="9525">
                 <a:solidFill>
                   <a:srgbClr val="000000"/>
                 </a:solidFill>
@@ -1722,7 +1723,7 @@
           <a:ln/>
           <a:extLst>
             <a:ext uri="{91240B29-F687-4f45-9708-019B960494DF}">
-              <a14:hiddenLine xmlns:a14="http://schemas.microsoft.com/office/drawing/2010/main" xmlns="" w="9525">
+              <a14:hiddenLine xmlns="" xmlns:a14="http://schemas.microsoft.com/office/drawing/2010/main" w="9525">
                 <a:solidFill>
                   <a:srgbClr val="000000"/>
                 </a:solidFill>
@@ -1994,7 +1995,7 @@
           <a:ln/>
           <a:extLst>
             <a:ext uri="{91240B29-F687-4f45-9708-019B960494DF}">
-              <a14:hiddenLine xmlns:a14="http://schemas.microsoft.com/office/drawing/2010/main" xmlns="" w="9525">
+              <a14:hiddenLine xmlns="" xmlns:a14="http://schemas.microsoft.com/office/drawing/2010/main" w="9525">
                 <a:solidFill>
                   <a:srgbClr val="000000"/>
                 </a:solidFill>
@@ -2274,7 +2275,7 @@
           <a:ln/>
           <a:extLst>
             <a:ext uri="{91240B29-F687-4f45-9708-019B960494DF}">
-              <a14:hiddenLine xmlns:a14="http://schemas.microsoft.com/office/drawing/2010/main" xmlns="" w="9525">
+              <a14:hiddenLine xmlns="" xmlns:a14="http://schemas.microsoft.com/office/drawing/2010/main" w="9525">
                 <a:solidFill>
                   <a:srgbClr val="000000"/>
                 </a:solidFill>
@@ -2894,7 +2895,7 @@
           <a:ln/>
           <a:extLst>
             <a:ext uri="{91240B29-F687-4f45-9708-019B960494DF}">
-              <a14:hiddenLine xmlns:a14="http://schemas.microsoft.com/office/drawing/2010/main" xmlns="" w="9525">
+              <a14:hiddenLine xmlns="" xmlns:a14="http://schemas.microsoft.com/office/drawing/2010/main" w="9525">
                 <a:solidFill>
                   <a:srgbClr val="000000"/>
                 </a:solidFill>
@@ -3230,7 +3231,7 @@
           <a:ln/>
           <a:extLst>
             <a:ext uri="{91240B29-F687-4f45-9708-019B960494DF}">
-              <a14:hiddenLine xmlns:a14="http://schemas.microsoft.com/office/drawing/2010/main" xmlns="" w="9525">
+              <a14:hiddenLine xmlns="" xmlns:a14="http://schemas.microsoft.com/office/drawing/2010/main" w="9525">
                 <a:solidFill>
                   <a:srgbClr val="000000"/>
                 </a:solidFill>
@@ -3704,7 +3705,7 @@
           <a:ln/>
           <a:extLst>
             <a:ext uri="{91240B29-F687-4f45-9708-019B960494DF}">
-              <a14:hiddenLine xmlns:a14="http://schemas.microsoft.com/office/drawing/2010/main" xmlns="" w="9525">
+              <a14:hiddenLine xmlns="" xmlns:a14="http://schemas.microsoft.com/office/drawing/2010/main" w="9525">
                 <a:solidFill>
                   <a:srgbClr val="000000"/>
                 </a:solidFill>
@@ -4127,7 +4128,7 @@
           <a:ln/>
           <a:extLst>
             <a:ext uri="{91240B29-F687-4f45-9708-019B960494DF}">
-              <a14:hiddenLine xmlns:a14="http://schemas.microsoft.com/office/drawing/2010/main" xmlns="" w="9525">
+              <a14:hiddenLine xmlns="" xmlns:a14="http://schemas.microsoft.com/office/drawing/2010/main" w="9525">
                 <a:solidFill>
                   <a:srgbClr val="000000"/>
                 </a:solidFill>
@@ -5367,7 +5368,7 @@
           <a:p>
             <a:r>
               <a:rPr lang="es-ES" dirty="0"/>
-              <a:t>ALPHASCHOOL</a:t>
+              <a:t>ALPHA SCHOOL</a:t>
             </a:r>
           </a:p>
         </p:txBody>
@@ -5476,7 +5477,7 @@
           <a:p>
             <a:r>
               <a:rPr lang="es-ES" dirty="0"/>
-              <a:t>El proyecto ALPHASCHOOL</a:t>
+              <a:t>El proyecto ALPHA SCHOOL</a:t>
             </a:r>
           </a:p>
         </p:txBody>
@@ -6279,6 +6280,58 @@
 </p:sld>
 </file>
 
+<file path=ppt/slides/slide7.xml><?xml version="1.0" encoding="utf-8"?>
+<p:sld xmlns:a="http://schemas.openxmlformats.org/drawingml/2006/main" xmlns:r="http://schemas.openxmlformats.org/officeDocument/2006/relationships" xmlns:p="http://schemas.openxmlformats.org/presentationml/2006/main">
+  <p:cSld>
+    <p:spTree>
+      <p:nvGrpSpPr>
+        <p:cNvPr id="1" name=""/>
+        <p:cNvGrpSpPr/>
+        <p:nvPr/>
+      </p:nvGrpSpPr>
+      <p:grpSpPr>
+        <a:xfrm>
+          <a:off x="0" y="0"/>
+          <a:ext cx="0" cy="0"/>
+          <a:chOff x="0" y="0"/>
+          <a:chExt cx="0" cy="0"/>
+        </a:xfrm>
+      </p:grpSpPr>
+      <p:sp>
+        <p:nvSpPr>
+          <p:cNvPr id="11" name="Título 10"/>
+          <p:cNvSpPr>
+            <a:spLocks noGrp="1"/>
+          </p:cNvSpPr>
+          <p:nvPr>
+            <p:ph type="title"/>
+          </p:nvPr>
+        </p:nvSpPr>
+        <p:spPr/>
+        <p:txBody>
+          <a:bodyPr/>
+          <a:lstStyle/>
+          <a:p>
+            <a:r>
+              <a:rPr lang="es-ES" dirty="0"/>
+              <a:t>CONCLUSIONES</a:t>
+            </a:r>
+          </a:p>
+        </p:txBody>
+      </p:sp>
+    </p:spTree>
+    <p:extLst>
+      <p:ext uri="{BB962C8B-B14F-4D97-AF65-F5344CB8AC3E}">
+        <p14:creationId xmlns:p14="http://schemas.microsoft.com/office/powerpoint/2010/main" val="3410398186"/>
+      </p:ext>
+    </p:extLst>
+  </p:cSld>
+  <p:clrMapOvr>
+    <a:masterClrMapping/>
+  </p:clrMapOvr>
+</p:sld>
+</file>
+
 <file path=ppt/theme/theme1.xml><?xml version="1.0" encoding="utf-8"?>
 <a:theme xmlns:a="http://schemas.openxmlformats.org/drawingml/2006/main" name="Citable">
   <a:themeElements>

--- a/Desarrollo/SDM/MemoriaABP 16Ene/PresentaciónSDM.pptx
+++ b/Desarrollo/SDM/MemoriaABP 16Ene/PresentaciónSDM.pptx
@@ -5,13 +5,20 @@
     <p:sldMasterId id="2147483648" r:id="rId1"/>
   </p:sldMasterIdLst>
   <p:sldIdLst>
-    <p:sldId id="256" r:id="rId2"/>
-    <p:sldId id="257" r:id="rId3"/>
-    <p:sldId id="258" r:id="rId4"/>
-    <p:sldId id="259" r:id="rId5"/>
-    <p:sldId id="260" r:id="rId6"/>
-    <p:sldId id="261" r:id="rId7"/>
-    <p:sldId id="262" r:id="rId8"/>
+    <p:sldId id="271" r:id="rId2"/>
+    <p:sldId id="256" r:id="rId3"/>
+    <p:sldId id="257" r:id="rId4"/>
+    <p:sldId id="269" r:id="rId5"/>
+    <p:sldId id="258" r:id="rId6"/>
+    <p:sldId id="260" r:id="rId7"/>
+    <p:sldId id="268" r:id="rId8"/>
+    <p:sldId id="263" r:id="rId9"/>
+    <p:sldId id="264" r:id="rId10"/>
+    <p:sldId id="265" r:id="rId11"/>
+    <p:sldId id="266" r:id="rId12"/>
+    <p:sldId id="267" r:id="rId13"/>
+    <p:sldId id="259" r:id="rId14"/>
+    <p:sldId id="261" r:id="rId15"/>
   </p:sldIdLst>
   <p:sldSz cx="12192000" cy="6858000"/>
   <p:notesSz cx="6858000" cy="9144000"/>
@@ -213,7 +220,7 @@
           <a:effectLst/>
           <a:extLst>
             <a:ext uri="{91240B29-F687-4f45-9708-019B960494DF}">
-              <a14:hiddenLine xmlns="" xmlns:a14="http://schemas.microsoft.com/office/drawing/2010/main" w="9525">
+              <a14:hiddenLine xmlns:a14="http://schemas.microsoft.com/office/drawing/2010/main" xmlns="" w="9525">
                 <a:solidFill>
                   <a:srgbClr val="000000"/>
                 </a:solidFill>
@@ -406,7 +413,7 @@
             <a:fld id="{08B9EBBA-996F-894A-B54A-D6246ED52CEA}" type="datetimeFigureOut">
               <a:rPr lang="en-US" dirty="0"/>
               <a:pPr/>
-              <a:t>1/16/2017</a:t>
+              <a:t>1/19/2017</a:t>
             </a:fld>
             <a:endParaRPr lang="en-US" dirty="0"/>
           </a:p>
@@ -721,7 +728,7 @@
             <a:fld id="{18C79C5D-2A6F-F04D-97DA-BEF2467B64E4}" type="datetimeFigureOut">
               <a:rPr lang="en-US" dirty="0"/>
               <a:pPr/>
-              <a:t>1/16/2017</a:t>
+              <a:t>1/19/2017</a:t>
             </a:fld>
             <a:endParaRPr lang="en-US" dirty="0"/>
           </a:p>
@@ -1206,7 +1213,7 @@
             <a:fld id="{8DFA1846-DA80-1C48-A609-854EA85C59AD}" type="datetimeFigureOut">
               <a:rPr lang="en-US" dirty="0"/>
               <a:pPr/>
-              <a:t>1/16/2017</a:t>
+              <a:t>1/19/2017</a:t>
             </a:fld>
             <a:endParaRPr lang="en-US" dirty="0"/>
           </a:p>
@@ -1572,7 +1579,7 @@
             <a:fld id="{FBF54567-0DE4-3F47-BF90-CB84690072F9}" type="datetimeFigureOut">
               <a:rPr lang="en-US" dirty="0"/>
               <a:pPr/>
-              <a:t>1/16/2017</a:t>
+              <a:t>1/19/2017</a:t>
             </a:fld>
             <a:endParaRPr lang="en-US" dirty="0"/>
           </a:p>
@@ -1723,7 +1730,7 @@
           <a:ln/>
           <a:extLst>
             <a:ext uri="{91240B29-F687-4f45-9708-019B960494DF}">
-              <a14:hiddenLine xmlns="" xmlns:a14="http://schemas.microsoft.com/office/drawing/2010/main" w="9525">
+              <a14:hiddenLine xmlns:a14="http://schemas.microsoft.com/office/drawing/2010/main" xmlns="" w="9525">
                 <a:solidFill>
                   <a:srgbClr val="000000"/>
                 </a:solidFill>
@@ -1842,7 +1849,7 @@
             <a:fld id="{C6C52C72-DE31-F449-A4ED-4C594FD91407}" type="datetimeFigureOut">
               <a:rPr lang="en-US" dirty="0"/>
               <a:pPr/>
-              <a:t>1/16/2017</a:t>
+              <a:t>1/19/2017</a:t>
             </a:fld>
             <a:endParaRPr lang="en-US" dirty="0"/>
           </a:p>
@@ -1995,7 +2002,7 @@
           <a:ln/>
           <a:extLst>
             <a:ext uri="{91240B29-F687-4f45-9708-019B960494DF}">
-              <a14:hiddenLine xmlns="" xmlns:a14="http://schemas.microsoft.com/office/drawing/2010/main" w="9525">
+              <a14:hiddenLine xmlns:a14="http://schemas.microsoft.com/office/drawing/2010/main" xmlns="" w="9525">
                 <a:solidFill>
                   <a:srgbClr val="000000"/>
                 </a:solidFill>
@@ -2124,7 +2131,7 @@
             <a:fld id="{ED62726E-379B-B349-9EED-81ED093FA806}" type="datetimeFigureOut">
               <a:rPr lang="en-US" dirty="0"/>
               <a:pPr/>
-              <a:t>1/16/2017</a:t>
+              <a:t>1/19/2017</a:t>
             </a:fld>
             <a:endParaRPr lang="en-US" dirty="0"/>
           </a:p>
@@ -2275,7 +2282,7 @@
           <a:ln/>
           <a:extLst>
             <a:ext uri="{91240B29-F687-4f45-9708-019B960494DF}">
-              <a14:hiddenLine xmlns="" xmlns:a14="http://schemas.microsoft.com/office/drawing/2010/main" w="9525">
+              <a14:hiddenLine xmlns:a14="http://schemas.microsoft.com/office/drawing/2010/main" xmlns="" w="9525">
                 <a:solidFill>
                   <a:srgbClr val="000000"/>
                 </a:solidFill>
@@ -2404,7 +2411,7 @@
             <a:fld id="{9B3A1323-8D79-1946-B0D7-40001CF92E9D}" type="datetimeFigureOut">
               <a:rPr lang="en-US" dirty="0"/>
               <a:pPr/>
-              <a:t>1/16/2017</a:t>
+              <a:t>1/19/2017</a:t>
             </a:fld>
             <a:endParaRPr lang="en-US" dirty="0"/>
           </a:p>
@@ -2744,7 +2751,7 @@
             <a:fld id="{8DFA1846-DA80-1C48-A609-854EA85C59AD}" type="datetimeFigureOut">
               <a:rPr lang="en-US" dirty="0"/>
               <a:pPr/>
-              <a:t>1/16/2017</a:t>
+              <a:t>1/19/2017</a:t>
             </a:fld>
             <a:endParaRPr lang="en-US" dirty="0"/>
           </a:p>
@@ -2895,7 +2902,7 @@
           <a:ln/>
           <a:extLst>
             <a:ext uri="{91240B29-F687-4f45-9708-019B960494DF}">
-              <a14:hiddenLine xmlns="" xmlns:a14="http://schemas.microsoft.com/office/drawing/2010/main" w="9525">
+              <a14:hiddenLine xmlns:a14="http://schemas.microsoft.com/office/drawing/2010/main" xmlns="" w="9525">
                 <a:solidFill>
                   <a:srgbClr val="000000"/>
                 </a:solidFill>
@@ -3080,7 +3087,7 @@
             <a:fld id="{57302355-E14B-8545-A8F8-0FE83CC9D524}" type="datetimeFigureOut">
               <a:rPr lang="en-US" dirty="0"/>
               <a:pPr/>
-              <a:t>1/16/2017</a:t>
+              <a:t>1/19/2017</a:t>
             </a:fld>
             <a:endParaRPr lang="en-US" dirty="0"/>
           </a:p>
@@ -3231,7 +3238,7 @@
           <a:ln/>
           <a:extLst>
             <a:ext uri="{91240B29-F687-4f45-9708-019B960494DF}">
-              <a14:hiddenLine xmlns="" xmlns:a14="http://schemas.microsoft.com/office/drawing/2010/main" w="9525">
+              <a14:hiddenLine xmlns:a14="http://schemas.microsoft.com/office/drawing/2010/main" xmlns="" w="9525">
                 <a:solidFill>
                   <a:srgbClr val="000000"/>
                 </a:solidFill>
@@ -3554,7 +3561,7 @@
             <a:fld id="{02640F58-564D-2B4F-AE67-E407BA4FCF45}" type="datetimeFigureOut">
               <a:rPr lang="en-US" dirty="0"/>
               <a:pPr/>
-              <a:t>1/16/2017</a:t>
+              <a:t>1/19/2017</a:t>
             </a:fld>
             <a:endParaRPr lang="en-US" dirty="0"/>
           </a:p>
@@ -3705,7 +3712,7 @@
           <a:ln/>
           <a:extLst>
             <a:ext uri="{91240B29-F687-4f45-9708-019B960494DF}">
-              <a14:hiddenLine xmlns="" xmlns:a14="http://schemas.microsoft.com/office/drawing/2010/main" w="9525">
+              <a14:hiddenLine xmlns:a14="http://schemas.microsoft.com/office/drawing/2010/main" xmlns="" w="9525">
                 <a:solidFill>
                   <a:srgbClr val="000000"/>
                 </a:solidFill>
@@ -3772,7 +3779,7 @@
             <a:fld id="{F13A34C8-038E-2045-AF43-DF7DBB8E0E9E}" type="datetimeFigureOut">
               <a:rPr lang="en-US" dirty="0"/>
               <a:pPr/>
-              <a:t>1/16/2017</a:t>
+              <a:t>1/19/2017</a:t>
             </a:fld>
             <a:endParaRPr lang="en-US" dirty="0"/>
           </a:p>
@@ -3864,7 +3871,7 @@
             <a:fld id="{8818C68F-D26B-8F47-958C-23B49CF8A634}" type="datetimeFigureOut">
               <a:rPr lang="en-US" dirty="0"/>
               <a:pPr/>
-              <a:t>1/16/2017</a:t>
+              <a:t>1/19/2017</a:t>
             </a:fld>
             <a:endParaRPr lang="en-US" dirty="0"/>
           </a:p>
@@ -4128,7 +4135,7 @@
           <a:ln/>
           <a:extLst>
             <a:ext uri="{91240B29-F687-4f45-9708-019B960494DF}">
-              <a14:hiddenLine xmlns="" xmlns:a14="http://schemas.microsoft.com/office/drawing/2010/main" w="9525">
+              <a14:hiddenLine xmlns:a14="http://schemas.microsoft.com/office/drawing/2010/main" xmlns="" w="9525">
                 <a:solidFill>
                   <a:srgbClr val="000000"/>
                 </a:solidFill>
@@ -4328,7 +4335,7 @@
             <a:fld id="{D0DF5E60-9974-AC48-9591-99C2BB44B7CF}" type="datetimeFigureOut">
               <a:rPr lang="en-US" dirty="0"/>
               <a:pPr/>
-              <a:t>1/16/2017</a:t>
+              <a:t>1/19/2017</a:t>
             </a:fld>
             <a:endParaRPr lang="en-US" dirty="0"/>
           </a:p>
@@ -4638,7 +4645,7 @@
             <a:fld id="{18C79C5D-2A6F-F04D-97DA-BEF2467B64E4}" type="datetimeFigureOut">
               <a:rPr lang="en-US" dirty="0"/>
               <a:pPr/>
-              <a:t>1/16/2017</a:t>
+              <a:t>1/19/2017</a:t>
             </a:fld>
             <a:endParaRPr lang="en-US" dirty="0"/>
           </a:p>
@@ -4905,7 +4912,7 @@
             <a:fld id="{09B482E8-6E0E-1B4F-B1FD-C69DB9E858D9}" type="datetimeFigureOut">
               <a:rPr lang="en-US" dirty="0"/>
               <a:pPr/>
-              <a:t>1/16/2017</a:t>
+              <a:t>1/19/2017</a:t>
             </a:fld>
             <a:endParaRPr lang="en-US" dirty="0"/>
           </a:p>
@@ -5353,15 +5360,786 @@
       </p:grpSpPr>
       <p:sp>
         <p:nvSpPr>
+          <p:cNvPr id="2" name="CuadroTexto 1"/>
+          <p:cNvSpPr txBox="1"/>
+          <p:nvPr/>
+        </p:nvSpPr>
+        <p:spPr>
+          <a:xfrm>
+            <a:off x="530087" y="530087"/>
+            <a:ext cx="11171583" cy="5909310"/>
+          </a:xfrm>
+          <a:prstGeom prst="rect">
+            <a:avLst/>
+          </a:prstGeom>
+          <a:noFill/>
+        </p:spPr>
+        <p:txBody>
+          <a:bodyPr wrap="square" rtlCol="0">
+            <a:spAutoFit/>
+          </a:bodyPr>
+          <a:lstStyle/>
+          <a:p>
+            <a:r>
+              <a:rPr lang="es-ES" sz="3200" dirty="0"/>
+              <a:t>Sobre la presentación:</a:t>
+            </a:r>
+          </a:p>
+          <a:p>
+            <a:endParaRPr lang="es-ES" sz="3200" dirty="0"/>
+          </a:p>
+          <a:p>
+            <a:r>
+              <a:rPr lang="es-ES" sz="3200" dirty="0"/>
+              <a:t>Orden y reparto de dispositivas</a:t>
+            </a:r>
+          </a:p>
+          <a:p>
+            <a:pPr marL="342900" indent="-342900">
+              <a:buFont typeface="+mj-lt"/>
+              <a:buAutoNum type="arabicPeriod"/>
+            </a:pPr>
+            <a:r>
+              <a:rPr lang="es-ES" sz="3200" dirty="0" err="1"/>
+              <a:t>Richi</a:t>
+            </a:r>
+            <a:r>
+              <a:rPr lang="es-ES" sz="3200" dirty="0"/>
+              <a:t> </a:t>
+            </a:r>
+            <a:r>
+              <a:rPr lang="es-ES" sz="3200" dirty="0">
+                <a:sym typeface="Wingdings" panose="05000000000000000000" pitchFamily="2" charset="2"/>
+              </a:rPr>
+              <a:t> 1 - 6</a:t>
+            </a:r>
+            <a:endParaRPr lang="es-ES" sz="3200" dirty="0"/>
+          </a:p>
+          <a:p>
+            <a:pPr marL="342900" indent="-342900">
+              <a:buFont typeface="+mj-lt"/>
+              <a:buAutoNum type="arabicPeriod"/>
+            </a:pPr>
+            <a:r>
+              <a:rPr lang="es-ES" sz="3200" dirty="0" err="1"/>
+              <a:t>Nahiara</a:t>
+            </a:r>
+            <a:r>
+              <a:rPr lang="es-ES" sz="3200" dirty="0"/>
+              <a:t> </a:t>
+            </a:r>
+            <a:r>
+              <a:rPr lang="es-ES" sz="3200" dirty="0">
+                <a:sym typeface="Wingdings" panose="05000000000000000000" pitchFamily="2" charset="2"/>
+              </a:rPr>
+              <a:t> 7-9</a:t>
+            </a:r>
+            <a:endParaRPr lang="es-ES" sz="3200" dirty="0"/>
+          </a:p>
+          <a:p>
+            <a:pPr marL="342900" indent="-342900">
+              <a:buFont typeface="+mj-lt"/>
+              <a:buAutoNum type="arabicPeriod"/>
+            </a:pPr>
+            <a:r>
+              <a:rPr lang="es-ES" sz="3200" dirty="0"/>
+              <a:t>Jorge </a:t>
+            </a:r>
+            <a:r>
+              <a:rPr lang="es-ES" sz="3200" dirty="0">
+                <a:sym typeface="Wingdings" panose="05000000000000000000" pitchFamily="2" charset="2"/>
+              </a:rPr>
+              <a:t> 10-11</a:t>
+            </a:r>
+            <a:endParaRPr lang="es-ES" sz="3200" dirty="0"/>
+          </a:p>
+          <a:p>
+            <a:pPr marL="342900" indent="-342900">
+              <a:buFont typeface="+mj-lt"/>
+              <a:buAutoNum type="arabicPeriod"/>
+            </a:pPr>
+            <a:r>
+              <a:rPr lang="es-ES" sz="3200" dirty="0"/>
+              <a:t>Manu </a:t>
+            </a:r>
+            <a:r>
+              <a:rPr lang="es-ES" sz="3200" dirty="0">
+                <a:sym typeface="Wingdings" panose="05000000000000000000" pitchFamily="2" charset="2"/>
+              </a:rPr>
+              <a:t> 12-13 </a:t>
+            </a:r>
+          </a:p>
+          <a:p>
+            <a:r>
+              <a:rPr lang="es-ES" sz="3200" dirty="0">
+                <a:sym typeface="Wingdings" panose="05000000000000000000" pitchFamily="2" charset="2"/>
+              </a:rPr>
+              <a:t>(he quitado la diapositiva de Conclusiones, no la veo necesaria)</a:t>
+            </a:r>
+            <a:endParaRPr lang="es-ES" sz="3200" dirty="0"/>
+          </a:p>
+          <a:p>
+            <a:endParaRPr lang="es-ES" dirty="0"/>
+          </a:p>
+          <a:p>
+            <a:endParaRPr lang="es-ES" dirty="0"/>
+          </a:p>
+          <a:p>
+            <a:endParaRPr lang="es-ES" dirty="0"/>
+          </a:p>
+          <a:p>
+            <a:endParaRPr lang="es-ES" dirty="0"/>
+          </a:p>
+          <a:p>
+            <a:endParaRPr lang="es-ES" dirty="0"/>
+          </a:p>
+        </p:txBody>
+      </p:sp>
+    </p:spTree>
+    <p:extLst>
+      <p:ext uri="{BB962C8B-B14F-4D97-AF65-F5344CB8AC3E}">
+        <p14:creationId xmlns:p14="http://schemas.microsoft.com/office/powerpoint/2010/main" val="4087342415"/>
+      </p:ext>
+    </p:extLst>
+  </p:cSld>
+  <p:clrMapOvr>
+    <a:masterClrMapping/>
+  </p:clrMapOvr>
+</p:sld>
+</file>
+
+<file path=ppt/slides/slide10.xml><?xml version="1.0" encoding="utf-8"?>
+<p:sld xmlns:a="http://schemas.openxmlformats.org/drawingml/2006/main" xmlns:r="http://schemas.openxmlformats.org/officeDocument/2006/relationships" xmlns:p="http://schemas.openxmlformats.org/presentationml/2006/main">
+  <p:cSld>
+    <p:spTree>
+      <p:nvGrpSpPr>
+        <p:cNvPr id="1" name=""/>
+        <p:cNvGrpSpPr/>
+        <p:nvPr/>
+      </p:nvGrpSpPr>
+      <p:grpSpPr>
+        <a:xfrm>
+          <a:off x="0" y="0"/>
+          <a:ext cx="0" cy="0"/>
+          <a:chOff x="0" y="0"/>
+          <a:chExt cx="0" cy="0"/>
+        </a:xfrm>
+      </p:grpSpPr>
+      <p:sp>
+        <p:nvSpPr>
           <p:cNvPr id="2" name="Título 1"/>
           <p:cNvSpPr>
             <a:spLocks noGrp="1"/>
           </p:cNvSpPr>
           <p:nvPr>
+            <p:ph type="title"/>
+          </p:nvPr>
+        </p:nvSpPr>
+        <p:spPr/>
+        <p:txBody>
+          <a:bodyPr/>
+          <a:lstStyle/>
+          <a:p>
+            <a:r>
+              <a:rPr lang="es-ES" dirty="0"/>
+              <a:t>SEO y difusión</a:t>
+            </a:r>
+          </a:p>
+        </p:txBody>
+      </p:sp>
+      <p:sp>
+        <p:nvSpPr>
+          <p:cNvPr id="3" name="Marcador de contenido 2"/>
+          <p:cNvSpPr>
+            <a:spLocks noGrp="1"/>
+          </p:cNvSpPr>
+          <p:nvPr>
+            <p:ph idx="1"/>
+          </p:nvPr>
+        </p:nvSpPr>
+        <p:spPr/>
+        <p:txBody>
+          <a:bodyPr/>
+          <a:lstStyle/>
+          <a:p>
+            <a:endParaRPr lang="es-ES"/>
+          </a:p>
+        </p:txBody>
+      </p:sp>
+    </p:spTree>
+    <p:extLst>
+      <p:ext uri="{BB962C8B-B14F-4D97-AF65-F5344CB8AC3E}">
+        <p14:creationId xmlns:p14="http://schemas.microsoft.com/office/powerpoint/2010/main" val="592695284"/>
+      </p:ext>
+    </p:extLst>
+  </p:cSld>
+  <p:clrMapOvr>
+    <a:masterClrMapping/>
+  </p:clrMapOvr>
+</p:sld>
+</file>
+
+<file path=ppt/slides/slide11.xml><?xml version="1.0" encoding="utf-8"?>
+<p:sld xmlns:a="http://schemas.openxmlformats.org/drawingml/2006/main" xmlns:r="http://schemas.openxmlformats.org/officeDocument/2006/relationships" xmlns:p="http://schemas.openxmlformats.org/presentationml/2006/main">
+  <p:cSld>
+    <p:spTree>
+      <p:nvGrpSpPr>
+        <p:cNvPr id="1" name=""/>
+        <p:cNvGrpSpPr/>
+        <p:nvPr/>
+      </p:nvGrpSpPr>
+      <p:grpSpPr>
+        <a:xfrm>
+          <a:off x="0" y="0"/>
+          <a:ext cx="0" cy="0"/>
+          <a:chOff x="0" y="0"/>
+          <a:chExt cx="0" cy="0"/>
+        </a:xfrm>
+      </p:grpSpPr>
+      <p:sp>
+        <p:nvSpPr>
+          <p:cNvPr id="2" name="Título 1"/>
+          <p:cNvSpPr>
+            <a:spLocks noGrp="1"/>
+          </p:cNvSpPr>
+          <p:nvPr>
+            <p:ph type="title"/>
+          </p:nvPr>
+        </p:nvSpPr>
+        <p:spPr/>
+        <p:txBody>
+          <a:bodyPr/>
+          <a:lstStyle/>
+          <a:p>
+            <a:r>
+              <a:rPr lang="es-ES" dirty="0"/>
+              <a:t>Estudio de la competencia</a:t>
+            </a:r>
+          </a:p>
+        </p:txBody>
+      </p:sp>
+      <p:sp>
+        <p:nvSpPr>
+          <p:cNvPr id="3" name="Marcador de contenido 2"/>
+          <p:cNvSpPr>
+            <a:spLocks noGrp="1"/>
+          </p:cNvSpPr>
+          <p:nvPr>
+            <p:ph idx="1"/>
+          </p:nvPr>
+        </p:nvSpPr>
+        <p:spPr/>
+        <p:txBody>
+          <a:bodyPr/>
+          <a:lstStyle/>
+          <a:p>
+            <a:endParaRPr lang="es-ES"/>
+          </a:p>
+        </p:txBody>
+      </p:sp>
+    </p:spTree>
+    <p:extLst>
+      <p:ext uri="{BB962C8B-B14F-4D97-AF65-F5344CB8AC3E}">
+        <p14:creationId xmlns:p14="http://schemas.microsoft.com/office/powerpoint/2010/main" val="3776838789"/>
+      </p:ext>
+    </p:extLst>
+  </p:cSld>
+  <p:clrMapOvr>
+    <a:masterClrMapping/>
+  </p:clrMapOvr>
+</p:sld>
+</file>
+
+<file path=ppt/slides/slide12.xml><?xml version="1.0" encoding="utf-8"?>
+<p:sld xmlns:a="http://schemas.openxmlformats.org/drawingml/2006/main" xmlns:r="http://schemas.openxmlformats.org/officeDocument/2006/relationships" xmlns:p="http://schemas.openxmlformats.org/presentationml/2006/main">
+  <p:cSld>
+    <p:spTree>
+      <p:nvGrpSpPr>
+        <p:cNvPr id="1" name=""/>
+        <p:cNvGrpSpPr/>
+        <p:nvPr/>
+      </p:nvGrpSpPr>
+      <p:grpSpPr>
+        <a:xfrm>
+          <a:off x="0" y="0"/>
+          <a:ext cx="0" cy="0"/>
+          <a:chOff x="0" y="0"/>
+          <a:chExt cx="0" cy="0"/>
+        </a:xfrm>
+      </p:grpSpPr>
+      <p:sp>
+        <p:nvSpPr>
+          <p:cNvPr id="2" name="Título 1"/>
+          <p:cNvSpPr>
+            <a:spLocks noGrp="1"/>
+          </p:cNvSpPr>
+          <p:nvPr>
+            <p:ph type="title"/>
+          </p:nvPr>
+        </p:nvSpPr>
+        <p:spPr/>
+        <p:txBody>
+          <a:bodyPr/>
+          <a:lstStyle/>
+          <a:p>
+            <a:r>
+              <a:rPr lang="es-ES" dirty="0" err="1"/>
+              <a:t>API’s</a:t>
+            </a:r>
+            <a:endParaRPr lang="es-ES" dirty="0"/>
+          </a:p>
+        </p:txBody>
+      </p:sp>
+      <p:sp>
+        <p:nvSpPr>
+          <p:cNvPr id="3" name="Marcador de contenido 2"/>
+          <p:cNvSpPr>
+            <a:spLocks noGrp="1"/>
+          </p:cNvSpPr>
+          <p:nvPr>
+            <p:ph idx="1"/>
+          </p:nvPr>
+        </p:nvSpPr>
+        <p:spPr/>
+        <p:txBody>
+          <a:bodyPr/>
+          <a:lstStyle/>
+          <a:p>
+            <a:endParaRPr lang="es-ES"/>
+          </a:p>
+        </p:txBody>
+      </p:sp>
+    </p:spTree>
+    <p:extLst>
+      <p:ext uri="{BB962C8B-B14F-4D97-AF65-F5344CB8AC3E}">
+        <p14:creationId xmlns:p14="http://schemas.microsoft.com/office/powerpoint/2010/main" val="232095076"/>
+      </p:ext>
+    </p:extLst>
+  </p:cSld>
+  <p:clrMapOvr>
+    <a:masterClrMapping/>
+  </p:clrMapOvr>
+</p:sld>
+</file>
+
+<file path=ppt/slides/slide13.xml><?xml version="1.0" encoding="utf-8"?>
+<p:sld xmlns:a="http://schemas.openxmlformats.org/drawingml/2006/main" xmlns:r="http://schemas.openxmlformats.org/officeDocument/2006/relationships" xmlns:p="http://schemas.openxmlformats.org/presentationml/2006/main">
+  <p:cSld>
+    <p:spTree>
+      <p:nvGrpSpPr>
+        <p:cNvPr id="1" name=""/>
+        <p:cNvGrpSpPr/>
+        <p:nvPr/>
+      </p:nvGrpSpPr>
+      <p:grpSpPr>
+        <a:xfrm>
+          <a:off x="0" y="0"/>
+          <a:ext cx="0" cy="0"/>
+          <a:chOff x="0" y="0"/>
+          <a:chExt cx="0" cy="0"/>
+        </a:xfrm>
+      </p:grpSpPr>
+      <p:sp>
+        <p:nvSpPr>
+          <p:cNvPr id="2" name="Título 1"/>
+          <p:cNvSpPr>
+            <a:spLocks noGrp="1"/>
+          </p:cNvSpPr>
+          <p:nvPr>
+            <p:ph type="title"/>
+          </p:nvPr>
+        </p:nvSpPr>
+        <p:spPr/>
+        <p:txBody>
+          <a:bodyPr/>
+          <a:lstStyle/>
+          <a:p>
+            <a:r>
+              <a:rPr lang="es-ES" dirty="0"/>
+              <a:t>Marco tecnológico</a:t>
+            </a:r>
+          </a:p>
+        </p:txBody>
+      </p:sp>
+      <p:pic>
+        <p:nvPicPr>
+          <p:cNvPr id="4" name="Marcador de contenido 3"/>
+          <p:cNvPicPr>
+            <a:picLocks noGrp="1" noChangeAspect="1"/>
+          </p:cNvPicPr>
+          <p:nvPr>
+            <p:ph idx="1"/>
+          </p:nvPr>
+        </p:nvPicPr>
+        <p:blipFill>
+          <a:blip r:embed="rId2"/>
+          <a:stretch>
+            <a:fillRect/>
+          </a:stretch>
+        </p:blipFill>
+        <p:spPr>
+          <a:xfrm>
+            <a:off x="450166" y="2561458"/>
+            <a:ext cx="1287266" cy="1287266"/>
+          </a:xfrm>
+        </p:spPr>
+      </p:pic>
+      <p:pic>
+        <p:nvPicPr>
+          <p:cNvPr id="5" name="Imagen 4"/>
+          <p:cNvPicPr>
+            <a:picLocks noChangeAspect="1"/>
+          </p:cNvPicPr>
+          <p:nvPr/>
+        </p:nvPicPr>
+        <p:blipFill>
+          <a:blip r:embed="rId3"/>
+          <a:stretch>
+            <a:fillRect/>
+          </a:stretch>
+        </p:blipFill>
+        <p:spPr>
+          <a:xfrm>
+            <a:off x="2365644" y="2561458"/>
+            <a:ext cx="1294302" cy="1294302"/>
+          </a:xfrm>
+          <a:prstGeom prst="rect">
+            <a:avLst/>
+          </a:prstGeom>
+        </p:spPr>
+      </p:pic>
+      <p:pic>
+        <p:nvPicPr>
+          <p:cNvPr id="6" name="Imagen 5"/>
+          <p:cNvPicPr>
+            <a:picLocks noChangeAspect="1"/>
+          </p:cNvPicPr>
+          <p:nvPr/>
+        </p:nvPicPr>
+        <p:blipFill>
+          <a:blip r:embed="rId4"/>
+          <a:stretch>
+            <a:fillRect/>
+          </a:stretch>
+        </p:blipFill>
+        <p:spPr>
+          <a:xfrm>
+            <a:off x="4288158" y="2561458"/>
+            <a:ext cx="1592137" cy="1274979"/>
+          </a:xfrm>
+          <a:prstGeom prst="rect">
+            <a:avLst/>
+          </a:prstGeom>
+        </p:spPr>
+      </p:pic>
+      <p:pic>
+        <p:nvPicPr>
+          <p:cNvPr id="7" name="Imagen 6"/>
+          <p:cNvPicPr>
+            <a:picLocks noChangeAspect="1"/>
+          </p:cNvPicPr>
+          <p:nvPr/>
+        </p:nvPicPr>
+        <p:blipFill>
+          <a:blip r:embed="rId5"/>
+          <a:stretch>
+            <a:fillRect/>
+          </a:stretch>
+        </p:blipFill>
+        <p:spPr>
+          <a:xfrm>
+            <a:off x="6508507" y="2561458"/>
+            <a:ext cx="1256859" cy="1256859"/>
+          </a:xfrm>
+          <a:prstGeom prst="rect">
+            <a:avLst/>
+          </a:prstGeom>
+        </p:spPr>
+      </p:pic>
+      <p:pic>
+        <p:nvPicPr>
+          <p:cNvPr id="8" name="Imagen 7"/>
+          <p:cNvPicPr>
+            <a:picLocks noChangeAspect="1"/>
+          </p:cNvPicPr>
+          <p:nvPr/>
+        </p:nvPicPr>
+        <p:blipFill>
+          <a:blip r:embed="rId6"/>
+          <a:stretch>
+            <a:fillRect/>
+          </a:stretch>
+        </p:blipFill>
+        <p:spPr>
+          <a:xfrm>
+            <a:off x="8393578" y="2561458"/>
+            <a:ext cx="1256859" cy="1256859"/>
+          </a:xfrm>
+          <a:prstGeom prst="rect">
+            <a:avLst/>
+          </a:prstGeom>
+        </p:spPr>
+      </p:pic>
+      <p:pic>
+        <p:nvPicPr>
+          <p:cNvPr id="9" name="Imagen 8"/>
+          <p:cNvPicPr>
+            <a:picLocks noChangeAspect="1"/>
+          </p:cNvPicPr>
+          <p:nvPr/>
+        </p:nvPicPr>
+        <p:blipFill>
+          <a:blip r:embed="rId7"/>
+          <a:stretch>
+            <a:fillRect/>
+          </a:stretch>
+        </p:blipFill>
+        <p:spPr>
+          <a:xfrm>
+            <a:off x="450166" y="4507524"/>
+            <a:ext cx="1287266" cy="1287266"/>
+          </a:xfrm>
+          <a:prstGeom prst="rect">
+            <a:avLst/>
+          </a:prstGeom>
+        </p:spPr>
+      </p:pic>
+      <p:pic>
+        <p:nvPicPr>
+          <p:cNvPr id="10" name="Imagen 9"/>
+          <p:cNvPicPr>
+            <a:picLocks noChangeAspect="1"/>
+          </p:cNvPicPr>
+          <p:nvPr/>
+        </p:nvPicPr>
+        <p:blipFill>
+          <a:blip r:embed="rId8"/>
+          <a:stretch>
+            <a:fillRect/>
+          </a:stretch>
+        </p:blipFill>
+        <p:spPr>
+          <a:xfrm>
+            <a:off x="2299384" y="4511143"/>
+            <a:ext cx="1265211" cy="1265211"/>
+          </a:xfrm>
+          <a:prstGeom prst="rect">
+            <a:avLst/>
+          </a:prstGeom>
+        </p:spPr>
+      </p:pic>
+      <p:pic>
+        <p:nvPicPr>
+          <p:cNvPr id="11" name="Imagen 10"/>
+          <p:cNvPicPr>
+            <a:picLocks noChangeAspect="1"/>
+          </p:cNvPicPr>
+          <p:nvPr/>
+        </p:nvPicPr>
+        <p:blipFill>
+          <a:blip r:embed="rId9"/>
+          <a:stretch>
+            <a:fillRect/>
+          </a:stretch>
+        </p:blipFill>
+        <p:spPr>
+          <a:xfrm>
+            <a:off x="4235150" y="4497891"/>
+            <a:ext cx="1265211" cy="1265211"/>
+          </a:xfrm>
+          <a:prstGeom prst="rect">
+            <a:avLst/>
+          </a:prstGeom>
+        </p:spPr>
+      </p:pic>
+      <p:pic>
+        <p:nvPicPr>
+          <p:cNvPr id="12" name="Imagen 11"/>
+          <p:cNvPicPr>
+            <a:picLocks noChangeAspect="1"/>
+          </p:cNvPicPr>
+          <p:nvPr/>
+        </p:nvPicPr>
+        <p:blipFill>
+          <a:blip r:embed="rId10"/>
+          <a:stretch>
+            <a:fillRect/>
+          </a:stretch>
+        </p:blipFill>
+        <p:spPr>
+          <a:xfrm>
+            <a:off x="6292751" y="4476016"/>
+            <a:ext cx="1260582" cy="1260582"/>
+          </a:xfrm>
+          <a:prstGeom prst="rect">
+            <a:avLst/>
+          </a:prstGeom>
+        </p:spPr>
+      </p:pic>
+      <p:pic>
+        <p:nvPicPr>
+          <p:cNvPr id="13" name="Imagen 12"/>
+          <p:cNvPicPr>
+            <a:picLocks noChangeAspect="1"/>
+          </p:cNvPicPr>
+          <p:nvPr/>
+        </p:nvPicPr>
+        <p:blipFill>
+          <a:blip r:embed="rId11"/>
+          <a:stretch>
+            <a:fillRect/>
+          </a:stretch>
+        </p:blipFill>
+        <p:spPr>
+          <a:xfrm>
+            <a:off x="8340569" y="4468519"/>
+            <a:ext cx="1256859" cy="1268080"/>
+          </a:xfrm>
+          <a:prstGeom prst="rect">
+            <a:avLst/>
+          </a:prstGeom>
+        </p:spPr>
+      </p:pic>
+    </p:spTree>
+    <p:extLst>
+      <p:ext uri="{BB962C8B-B14F-4D97-AF65-F5344CB8AC3E}">
+        <p14:creationId xmlns:p14="http://schemas.microsoft.com/office/powerpoint/2010/main" val="2308118435"/>
+      </p:ext>
+    </p:extLst>
+  </p:cSld>
+  <p:clrMapOvr>
+    <a:masterClrMapping/>
+  </p:clrMapOvr>
+</p:sld>
+</file>
+
+<file path=ppt/slides/slide14.xml><?xml version="1.0" encoding="utf-8"?>
+<p:sld xmlns:a="http://schemas.openxmlformats.org/drawingml/2006/main" xmlns:r="http://schemas.openxmlformats.org/officeDocument/2006/relationships" xmlns:p="http://schemas.openxmlformats.org/presentationml/2006/main">
+  <p:cSld>
+    <p:spTree>
+      <p:nvGrpSpPr>
+        <p:cNvPr id="1" name=""/>
+        <p:cNvGrpSpPr/>
+        <p:nvPr/>
+      </p:nvGrpSpPr>
+      <p:grpSpPr>
+        <a:xfrm>
+          <a:off x="0" y="0"/>
+          <a:ext cx="0" cy="0"/>
+          <a:chOff x="0" y="0"/>
+          <a:chExt cx="0" cy="0"/>
+        </a:xfrm>
+      </p:grpSpPr>
+      <p:sp>
+        <p:nvSpPr>
+          <p:cNvPr id="2" name="Título 1"/>
+          <p:cNvSpPr>
+            <a:spLocks noGrp="1"/>
+          </p:cNvSpPr>
+          <p:nvPr>
+            <p:ph type="title"/>
+          </p:nvPr>
+        </p:nvSpPr>
+        <p:spPr/>
+        <p:txBody>
+          <a:bodyPr/>
+          <a:lstStyle/>
+          <a:p>
+            <a:r>
+              <a:rPr lang="es-ES" dirty="0"/>
+              <a:t>Objetivos cumplidos</a:t>
+            </a:r>
+          </a:p>
+        </p:txBody>
+      </p:sp>
+      <p:sp>
+        <p:nvSpPr>
+          <p:cNvPr id="3" name="Marcador de contenido 2"/>
+          <p:cNvSpPr>
+            <a:spLocks noGrp="1"/>
+          </p:cNvSpPr>
+          <p:nvPr>
+            <p:ph idx="1"/>
+          </p:nvPr>
+        </p:nvSpPr>
+        <p:spPr/>
+        <p:txBody>
+          <a:bodyPr>
+            <a:normAutofit/>
+          </a:bodyPr>
+          <a:lstStyle/>
+          <a:p>
+            <a:r>
+              <a:rPr lang="es-ES" sz="2800" dirty="0"/>
+              <a:t>Cambio de tecnología</a:t>
+            </a:r>
+          </a:p>
+          <a:p>
+            <a:r>
+              <a:rPr lang="es-ES" sz="2800" dirty="0"/>
+              <a:t>Imposibilidad de cumplir todos los objetivos</a:t>
+            </a:r>
+          </a:p>
+          <a:p>
+            <a:r>
+              <a:rPr lang="es-ES" sz="2800" dirty="0"/>
+              <a:t>Pero si en el futuro cercano</a:t>
+            </a:r>
+          </a:p>
+          <a:p>
+            <a:r>
+              <a:rPr lang="es-ES" sz="2800" dirty="0"/>
+              <a:t>Salimos reforzados por la investigación (?)</a:t>
+            </a:r>
+          </a:p>
+        </p:txBody>
+      </p:sp>
+    </p:spTree>
+    <p:extLst>
+      <p:ext uri="{BB962C8B-B14F-4D97-AF65-F5344CB8AC3E}">
+        <p14:creationId xmlns:p14="http://schemas.microsoft.com/office/powerpoint/2010/main" val="3000945233"/>
+      </p:ext>
+    </p:extLst>
+  </p:cSld>
+  <p:clrMapOvr>
+    <a:masterClrMapping/>
+  </p:clrMapOvr>
+</p:sld>
+</file>
+
+<file path=ppt/slides/slide2.xml><?xml version="1.0" encoding="utf-8"?>
+<p:sld xmlns:a="http://schemas.openxmlformats.org/drawingml/2006/main" xmlns:r="http://schemas.openxmlformats.org/officeDocument/2006/relationships" xmlns:p="http://schemas.openxmlformats.org/presentationml/2006/main">
+  <p:cSld>
+    <p:spTree>
+      <p:nvGrpSpPr>
+        <p:cNvPr id="1" name=""/>
+        <p:cNvGrpSpPr/>
+        <p:nvPr/>
+      </p:nvGrpSpPr>
+      <p:grpSpPr>
+        <a:xfrm>
+          <a:off x="0" y="0"/>
+          <a:ext cx="0" cy="0"/>
+          <a:chOff x="0" y="0"/>
+          <a:chExt cx="0" cy="0"/>
+        </a:xfrm>
+      </p:grpSpPr>
+      <p:sp>
+        <p:nvSpPr>
+          <p:cNvPr id="2" name="Título 1"/>
+          <p:cNvSpPr>
+            <a:spLocks noGrp="1"/>
+          </p:cNvSpPr>
+          <p:nvPr>
             <p:ph type="ctrTitle"/>
           </p:nvPr>
         </p:nvSpPr>
-        <p:spPr/>
+        <p:spPr>
+          <a:xfrm>
+            <a:off x="810001" y="1306387"/>
+            <a:ext cx="10572000" cy="2419120"/>
+          </a:xfrm>
+        </p:spPr>
         <p:txBody>
           <a:bodyPr/>
           <a:lstStyle/>
@@ -5383,14 +6161,53 @@
             <p:ph type="subTitle" idx="1"/>
           </p:nvPr>
         </p:nvSpPr>
-        <p:spPr/>
-        <p:txBody>
-          <a:bodyPr/>
+        <p:spPr>
+          <a:xfrm>
+            <a:off x="810001" y="5241090"/>
+            <a:ext cx="10572000" cy="1438005"/>
+          </a:xfrm>
+        </p:spPr>
+        <p:txBody>
+          <a:bodyPr>
+            <a:normAutofit fontScale="92500" lnSpcReduction="10000"/>
+          </a:bodyPr>
           <a:lstStyle/>
           <a:p>
             <a:r>
               <a:rPr lang="es-ES" dirty="0"/>
-              <a:t>Memoria SDM</a:t>
+              <a:t>Ricardo </a:t>
+            </a:r>
+            <a:r>
+              <a:rPr lang="es-ES" dirty="0" err="1"/>
+              <a:t>Espí</a:t>
+            </a:r>
+            <a:endParaRPr lang="es-ES" dirty="0"/>
+          </a:p>
+          <a:p>
+            <a:r>
+              <a:rPr lang="es-ES" dirty="0" err="1"/>
+              <a:t>Nahiara</a:t>
+            </a:r>
+            <a:r>
+              <a:rPr lang="es-ES" dirty="0"/>
+              <a:t> Latorre</a:t>
+            </a:r>
+          </a:p>
+          <a:p>
+            <a:r>
+              <a:rPr lang="es-ES" dirty="0"/>
+              <a:t>Jorge </a:t>
+            </a:r>
+            <a:r>
+              <a:rPr lang="es-ES" dirty="0" err="1"/>
+              <a:t>Cabanes</a:t>
+            </a:r>
+            <a:endParaRPr lang="es-ES" dirty="0"/>
+          </a:p>
+          <a:p>
+            <a:r>
+              <a:rPr lang="es-ES" dirty="0"/>
+              <a:t>Manuel Romero</a:t>
             </a:r>
           </a:p>
         </p:txBody>
@@ -5411,8 +6228,8 @@
         </p:blipFill>
         <p:spPr>
           <a:xfrm>
-            <a:off x="10601739" y="214098"/>
-            <a:ext cx="1235049" cy="1235049"/>
+            <a:off x="9621078" y="382347"/>
+            <a:ext cx="2133600" cy="2133600"/>
           </a:xfrm>
           <a:prstGeom prst="roundRect">
             <a:avLst>
@@ -5443,7 +6260,7 @@
 </p:sld>
 </file>
 
-<file path=ppt/slides/slide2.xml><?xml version="1.0" encoding="utf-8"?>
+<file path=ppt/slides/slide3.xml><?xml version="1.0" encoding="utf-8"?>
 <p:sld xmlns:a="http://schemas.openxmlformats.org/drawingml/2006/main" xmlns:r="http://schemas.openxmlformats.org/officeDocument/2006/relationships" xmlns:p="http://schemas.openxmlformats.org/presentationml/2006/main">
   <p:cSld>
     <p:spTree>
@@ -5492,32 +6309,57 @@
             <p:ph idx="1"/>
           </p:nvPr>
         </p:nvSpPr>
-        <p:spPr/>
-        <p:txBody>
-          <a:bodyPr/>
-          <a:lstStyle/>
-          <a:p>
-            <a:r>
-              <a:rPr lang="es-ES" dirty="0"/>
-              <a:t>Un campus virtual</a:t>
-            </a:r>
-          </a:p>
-          <a:p>
-            <a:r>
-              <a:rPr lang="es-ES" dirty="0"/>
+        <p:spPr>
+          <a:xfrm>
+            <a:off x="818712" y="2487330"/>
+            <a:ext cx="10554574" cy="3636511"/>
+          </a:xfrm>
+        </p:spPr>
+        <p:txBody>
+          <a:bodyPr>
+            <a:normAutofit fontScale="92500" lnSpcReduction="20000"/>
+          </a:bodyPr>
+          <a:lstStyle/>
+          <a:p>
+            <a:r>
+              <a:rPr lang="es-ES" sz="3000" dirty="0"/>
+              <a:t>Funciones como las de un campus virtual</a:t>
+            </a:r>
+          </a:p>
+          <a:p>
+            <a:pPr marL="0" indent="0">
+              <a:buNone/>
+            </a:pPr>
+            <a:endParaRPr lang="es-ES" sz="3000" dirty="0"/>
+          </a:p>
+          <a:p>
+            <a:r>
+              <a:rPr lang="es-ES" sz="3000" dirty="0"/>
               <a:t>Facilitar la comunicación profesor-padre</a:t>
             </a:r>
           </a:p>
           <a:p>
-            <a:r>
-              <a:rPr lang="es-ES" dirty="0"/>
+            <a:pPr marL="0" indent="0">
+              <a:buNone/>
+            </a:pPr>
+            <a:endParaRPr lang="es-ES" sz="3000" dirty="0"/>
+          </a:p>
+          <a:p>
+            <a:r>
+              <a:rPr lang="es-ES" sz="3000" dirty="0"/>
               <a:t>Evolución académica de los alumnos</a:t>
             </a:r>
           </a:p>
           <a:p>
-            <a:r>
-              <a:rPr lang="es-ES" dirty="0"/>
-              <a:t>Firma de autorizaciones </a:t>
+            <a:pPr marL="0" indent="0">
+              <a:buNone/>
+            </a:pPr>
+            <a:endParaRPr lang="es-ES" sz="3000" dirty="0"/>
+          </a:p>
+          <a:p>
+            <a:r>
+              <a:rPr lang="es-ES" sz="3000" dirty="0"/>
+              <a:t>Firma de autorizaciones y justificantes  </a:t>
             </a:r>
           </a:p>
         </p:txBody>
@@ -5535,7 +6377,82 @@
 </p:sld>
 </file>
 
-<file path=ppt/slides/slide3.xml><?xml version="1.0" encoding="utf-8"?>
+<file path=ppt/slides/slide4.xml><?xml version="1.0" encoding="utf-8"?>
+<p:sld xmlns:a="http://schemas.openxmlformats.org/drawingml/2006/main" xmlns:r="http://schemas.openxmlformats.org/officeDocument/2006/relationships" xmlns:p="http://schemas.openxmlformats.org/presentationml/2006/main">
+  <p:cSld>
+    <p:spTree>
+      <p:nvGrpSpPr>
+        <p:cNvPr id="1" name=""/>
+        <p:cNvGrpSpPr/>
+        <p:nvPr/>
+      </p:nvGrpSpPr>
+      <p:grpSpPr>
+        <a:xfrm>
+          <a:off x="0" y="0"/>
+          <a:ext cx="0" cy="0"/>
+          <a:chOff x="0" y="0"/>
+          <a:chExt cx="0" cy="0"/>
+        </a:xfrm>
+      </p:grpSpPr>
+      <p:sp>
+        <p:nvSpPr>
+          <p:cNvPr id="2" name="Título 1"/>
+          <p:cNvSpPr>
+            <a:spLocks noGrp="1"/>
+          </p:cNvSpPr>
+          <p:nvPr>
+            <p:ph type="title"/>
+          </p:nvPr>
+        </p:nvSpPr>
+        <p:spPr/>
+        <p:txBody>
+          <a:bodyPr/>
+          <a:lstStyle/>
+          <a:p>
+            <a:r>
+              <a:rPr lang="es-ES" dirty="0"/>
+              <a:t>LEAN - CANVAS</a:t>
+            </a:r>
+          </a:p>
+        </p:txBody>
+      </p:sp>
+      <p:pic>
+        <p:nvPicPr>
+          <p:cNvPr id="7" name="Marcador de contenido 6"/>
+          <p:cNvPicPr>
+            <a:picLocks noGrp="1" noChangeAspect="1"/>
+          </p:cNvPicPr>
+          <p:nvPr>
+            <p:ph idx="1"/>
+          </p:nvPr>
+        </p:nvPicPr>
+        <p:blipFill>
+          <a:blip r:embed="rId2"/>
+          <a:stretch>
+            <a:fillRect/>
+          </a:stretch>
+        </p:blipFill>
+        <p:spPr>
+          <a:xfrm>
+            <a:off x="810000" y="447188"/>
+            <a:ext cx="10734260" cy="6038021"/>
+          </a:xfrm>
+        </p:spPr>
+      </p:pic>
+    </p:spTree>
+    <p:extLst>
+      <p:ext uri="{BB962C8B-B14F-4D97-AF65-F5344CB8AC3E}">
+        <p14:creationId xmlns:p14="http://schemas.microsoft.com/office/powerpoint/2010/main" val="3990253287"/>
+      </p:ext>
+    </p:extLst>
+  </p:cSld>
+  <p:clrMapOvr>
+    <a:masterClrMapping/>
+  </p:clrMapOvr>
+</p:sld>
+</file>
+
+<file path=ppt/slides/slide5.xml><?xml version="1.0" encoding="utf-8"?>
 <p:sld xmlns:a="http://schemas.openxmlformats.org/drawingml/2006/main" xmlns:r="http://schemas.openxmlformats.org/officeDocument/2006/relationships" xmlns:p="http://schemas.openxmlformats.org/presentationml/2006/main">
   <p:cSld>
     <p:spTree>
@@ -5791,403 +6708,6 @@
 </p:sld>
 </file>
 
-<file path=ppt/slides/slide4.xml><?xml version="1.0" encoding="utf-8"?>
-<p:sld xmlns:a="http://schemas.openxmlformats.org/drawingml/2006/main" xmlns:r="http://schemas.openxmlformats.org/officeDocument/2006/relationships" xmlns:p="http://schemas.openxmlformats.org/presentationml/2006/main">
-  <p:cSld>
-    <p:spTree>
-      <p:nvGrpSpPr>
-        <p:cNvPr id="1" name=""/>
-        <p:cNvGrpSpPr/>
-        <p:nvPr/>
-      </p:nvGrpSpPr>
-      <p:grpSpPr>
-        <a:xfrm>
-          <a:off x="0" y="0"/>
-          <a:ext cx="0" cy="0"/>
-          <a:chOff x="0" y="0"/>
-          <a:chExt cx="0" cy="0"/>
-        </a:xfrm>
-      </p:grpSpPr>
-      <p:sp>
-        <p:nvSpPr>
-          <p:cNvPr id="2" name="Título 1"/>
-          <p:cNvSpPr>
-            <a:spLocks noGrp="1"/>
-          </p:cNvSpPr>
-          <p:nvPr>
-            <p:ph type="title"/>
-          </p:nvPr>
-        </p:nvSpPr>
-        <p:spPr/>
-        <p:txBody>
-          <a:bodyPr/>
-          <a:lstStyle/>
-          <a:p>
-            <a:r>
-              <a:rPr lang="es-ES" dirty="0"/>
-              <a:t>Marco tecnológico</a:t>
-            </a:r>
-          </a:p>
-        </p:txBody>
-      </p:sp>
-      <p:pic>
-        <p:nvPicPr>
-          <p:cNvPr id="4" name="Marcador de contenido 3"/>
-          <p:cNvPicPr>
-            <a:picLocks noGrp="1" noChangeAspect="1"/>
-          </p:cNvPicPr>
-          <p:nvPr>
-            <p:ph idx="1"/>
-          </p:nvPr>
-        </p:nvPicPr>
-        <p:blipFill>
-          <a:blip r:embed="rId2"/>
-          <a:stretch>
-            <a:fillRect/>
-          </a:stretch>
-        </p:blipFill>
-        <p:spPr>
-          <a:xfrm>
-            <a:off x="450166" y="2561458"/>
-            <a:ext cx="1287266" cy="1287266"/>
-          </a:xfrm>
-        </p:spPr>
-      </p:pic>
-      <p:pic>
-        <p:nvPicPr>
-          <p:cNvPr id="5" name="Imagen 4"/>
-          <p:cNvPicPr>
-            <a:picLocks noChangeAspect="1"/>
-          </p:cNvPicPr>
-          <p:nvPr/>
-        </p:nvPicPr>
-        <p:blipFill>
-          <a:blip r:embed="rId3"/>
-          <a:stretch>
-            <a:fillRect/>
-          </a:stretch>
-        </p:blipFill>
-        <p:spPr>
-          <a:xfrm>
-            <a:off x="2365644" y="2561458"/>
-            <a:ext cx="1294302" cy="1294302"/>
-          </a:xfrm>
-          <a:prstGeom prst="rect">
-            <a:avLst/>
-          </a:prstGeom>
-        </p:spPr>
-      </p:pic>
-      <p:pic>
-        <p:nvPicPr>
-          <p:cNvPr id="6" name="Imagen 5"/>
-          <p:cNvPicPr>
-            <a:picLocks noChangeAspect="1"/>
-          </p:cNvPicPr>
-          <p:nvPr/>
-        </p:nvPicPr>
-        <p:blipFill>
-          <a:blip r:embed="rId4"/>
-          <a:stretch>
-            <a:fillRect/>
-          </a:stretch>
-        </p:blipFill>
-        <p:spPr>
-          <a:xfrm>
-            <a:off x="4288158" y="2561458"/>
-            <a:ext cx="1592137" cy="1274979"/>
-          </a:xfrm>
-          <a:prstGeom prst="rect">
-            <a:avLst/>
-          </a:prstGeom>
-        </p:spPr>
-      </p:pic>
-      <p:pic>
-        <p:nvPicPr>
-          <p:cNvPr id="7" name="Imagen 6"/>
-          <p:cNvPicPr>
-            <a:picLocks noChangeAspect="1"/>
-          </p:cNvPicPr>
-          <p:nvPr/>
-        </p:nvPicPr>
-        <p:blipFill>
-          <a:blip r:embed="rId5"/>
-          <a:stretch>
-            <a:fillRect/>
-          </a:stretch>
-        </p:blipFill>
-        <p:spPr>
-          <a:xfrm>
-            <a:off x="6508507" y="2561458"/>
-            <a:ext cx="1256859" cy="1256859"/>
-          </a:xfrm>
-          <a:prstGeom prst="rect">
-            <a:avLst/>
-          </a:prstGeom>
-        </p:spPr>
-      </p:pic>
-      <p:pic>
-        <p:nvPicPr>
-          <p:cNvPr id="8" name="Imagen 7"/>
-          <p:cNvPicPr>
-            <a:picLocks noChangeAspect="1"/>
-          </p:cNvPicPr>
-          <p:nvPr/>
-        </p:nvPicPr>
-        <p:blipFill>
-          <a:blip r:embed="rId6"/>
-          <a:stretch>
-            <a:fillRect/>
-          </a:stretch>
-        </p:blipFill>
-        <p:spPr>
-          <a:xfrm>
-            <a:off x="8393578" y="2561458"/>
-            <a:ext cx="1256859" cy="1256859"/>
-          </a:xfrm>
-          <a:prstGeom prst="rect">
-            <a:avLst/>
-          </a:prstGeom>
-        </p:spPr>
-      </p:pic>
-      <p:pic>
-        <p:nvPicPr>
-          <p:cNvPr id="9" name="Imagen 8"/>
-          <p:cNvPicPr>
-            <a:picLocks noChangeAspect="1"/>
-          </p:cNvPicPr>
-          <p:nvPr/>
-        </p:nvPicPr>
-        <p:blipFill>
-          <a:blip r:embed="rId7"/>
-          <a:stretch>
-            <a:fillRect/>
-          </a:stretch>
-        </p:blipFill>
-        <p:spPr>
-          <a:xfrm>
-            <a:off x="450166" y="4507524"/>
-            <a:ext cx="1287266" cy="1287266"/>
-          </a:xfrm>
-          <a:prstGeom prst="rect">
-            <a:avLst/>
-          </a:prstGeom>
-        </p:spPr>
-      </p:pic>
-      <p:pic>
-        <p:nvPicPr>
-          <p:cNvPr id="10" name="Imagen 9"/>
-          <p:cNvPicPr>
-            <a:picLocks noChangeAspect="1"/>
-          </p:cNvPicPr>
-          <p:nvPr/>
-        </p:nvPicPr>
-        <p:blipFill>
-          <a:blip r:embed="rId8"/>
-          <a:stretch>
-            <a:fillRect/>
-          </a:stretch>
-        </p:blipFill>
-        <p:spPr>
-          <a:xfrm>
-            <a:off x="2365644" y="4471387"/>
-            <a:ext cx="1265211" cy="1265211"/>
-          </a:xfrm>
-          <a:prstGeom prst="rect">
-            <a:avLst/>
-          </a:prstGeom>
-        </p:spPr>
-      </p:pic>
-      <p:pic>
-        <p:nvPicPr>
-          <p:cNvPr id="11" name="Imagen 10"/>
-          <p:cNvPicPr>
-            <a:picLocks noChangeAspect="1"/>
-          </p:cNvPicPr>
-          <p:nvPr/>
-        </p:nvPicPr>
-        <p:blipFill>
-          <a:blip r:embed="rId9"/>
-          <a:stretch>
-            <a:fillRect/>
-          </a:stretch>
-        </p:blipFill>
-        <p:spPr>
-          <a:xfrm>
-            <a:off x="4288158" y="4471387"/>
-            <a:ext cx="1265211" cy="1265211"/>
-          </a:xfrm>
-          <a:prstGeom prst="rect">
-            <a:avLst/>
-          </a:prstGeom>
-        </p:spPr>
-      </p:pic>
-      <p:pic>
-        <p:nvPicPr>
-          <p:cNvPr id="12" name="Imagen 11"/>
-          <p:cNvPicPr>
-            <a:picLocks noChangeAspect="1"/>
-          </p:cNvPicPr>
-          <p:nvPr/>
-        </p:nvPicPr>
-        <p:blipFill>
-          <a:blip r:embed="rId10"/>
-          <a:stretch>
-            <a:fillRect/>
-          </a:stretch>
-        </p:blipFill>
-        <p:spPr>
-          <a:xfrm>
-            <a:off x="6504784" y="4476016"/>
-            <a:ext cx="1260582" cy="1260582"/>
-          </a:xfrm>
-          <a:prstGeom prst="rect">
-            <a:avLst/>
-          </a:prstGeom>
-        </p:spPr>
-      </p:pic>
-      <p:pic>
-        <p:nvPicPr>
-          <p:cNvPr id="13" name="Imagen 12"/>
-          <p:cNvPicPr>
-            <a:picLocks noChangeAspect="1"/>
-          </p:cNvPicPr>
-          <p:nvPr/>
-        </p:nvPicPr>
-        <p:blipFill>
-          <a:blip r:embed="rId11"/>
-          <a:stretch>
-            <a:fillRect/>
-          </a:stretch>
-        </p:blipFill>
-        <p:spPr>
-          <a:xfrm>
-            <a:off x="8393577" y="4468519"/>
-            <a:ext cx="1256859" cy="1268080"/>
-          </a:xfrm>
-          <a:prstGeom prst="rect">
-            <a:avLst/>
-          </a:prstGeom>
-        </p:spPr>
-      </p:pic>
-    </p:spTree>
-    <p:extLst>
-      <p:ext uri="{BB962C8B-B14F-4D97-AF65-F5344CB8AC3E}">
-        <p14:creationId xmlns:p14="http://schemas.microsoft.com/office/powerpoint/2010/main" val="2308118435"/>
-      </p:ext>
-    </p:extLst>
-  </p:cSld>
-  <p:clrMapOvr>
-    <a:masterClrMapping/>
-  </p:clrMapOvr>
-</p:sld>
-</file>
-
-<file path=ppt/slides/slide5.xml><?xml version="1.0" encoding="utf-8"?>
-<p:sld xmlns:a="http://schemas.openxmlformats.org/drawingml/2006/main" xmlns:r="http://schemas.openxmlformats.org/officeDocument/2006/relationships" xmlns:p="http://schemas.openxmlformats.org/presentationml/2006/main">
-  <p:cSld>
-    <p:spTree>
-      <p:nvGrpSpPr>
-        <p:cNvPr id="1" name=""/>
-        <p:cNvGrpSpPr/>
-        <p:nvPr/>
-      </p:nvGrpSpPr>
-      <p:grpSpPr>
-        <a:xfrm>
-          <a:off x="0" y="0"/>
-          <a:ext cx="0" cy="0"/>
-          <a:chOff x="0" y="0"/>
-          <a:chExt cx="0" cy="0"/>
-        </a:xfrm>
-      </p:grpSpPr>
-      <p:sp>
-        <p:nvSpPr>
-          <p:cNvPr id="2" name="Título 1"/>
-          <p:cNvSpPr>
-            <a:spLocks noGrp="1"/>
-          </p:cNvSpPr>
-          <p:nvPr>
-            <p:ph type="title"/>
-          </p:nvPr>
-        </p:nvSpPr>
-        <p:spPr/>
-        <p:txBody>
-          <a:bodyPr/>
-          <a:lstStyle/>
-          <a:p>
-            <a:r>
-              <a:rPr lang="es-ES" dirty="0"/>
-              <a:t>Objetivos SDM</a:t>
-            </a:r>
-          </a:p>
-        </p:txBody>
-      </p:sp>
-      <p:sp>
-        <p:nvSpPr>
-          <p:cNvPr id="3" name="Marcador de contenido 2"/>
-          <p:cNvSpPr>
-            <a:spLocks noGrp="1"/>
-          </p:cNvSpPr>
-          <p:nvPr>
-            <p:ph idx="1"/>
-          </p:nvPr>
-        </p:nvSpPr>
-        <p:spPr/>
-        <p:txBody>
-          <a:bodyPr/>
-          <a:lstStyle/>
-          <a:p>
-            <a:r>
-              <a:rPr lang="es-ES" dirty="0"/>
-              <a:t>Gestión de contenidos</a:t>
-            </a:r>
-          </a:p>
-          <a:p>
-            <a:r>
-              <a:rPr lang="es-ES" dirty="0"/>
-              <a:t>Difusión y posicionamiento</a:t>
-            </a:r>
-          </a:p>
-          <a:p>
-            <a:r>
-              <a:rPr lang="es-ES" dirty="0"/>
-              <a:t>Transformación de formatos </a:t>
-            </a:r>
-          </a:p>
-          <a:p>
-            <a:r>
-              <a:rPr lang="es-ES" dirty="0"/>
-              <a:t>Consumo </a:t>
-            </a:r>
-            <a:r>
-              <a:rPr lang="es-ES" dirty="0" err="1"/>
-              <a:t>API’s</a:t>
-            </a:r>
-            <a:r>
-              <a:rPr lang="es-ES" dirty="0"/>
-              <a:t> de terceros y propias</a:t>
-            </a:r>
-          </a:p>
-          <a:p>
-            <a:r>
-              <a:rPr lang="es-ES" dirty="0"/>
-              <a:t>Delegar autenticación</a:t>
-            </a:r>
-          </a:p>
-        </p:txBody>
-      </p:sp>
-    </p:spTree>
-    <p:extLst>
-      <p:ext uri="{BB962C8B-B14F-4D97-AF65-F5344CB8AC3E}">
-        <p14:creationId xmlns:p14="http://schemas.microsoft.com/office/powerpoint/2010/main" val="3914240520"/>
-      </p:ext>
-    </p:extLst>
-  </p:cSld>
-  <p:clrMapOvr>
-    <a:masterClrMapping/>
-  </p:clrMapOvr>
-</p:sld>
-</file>
-
 <file path=ppt/slides/slide6.xml><?xml version="1.0" encoding="utf-8"?>
 <p:sld xmlns:a="http://schemas.openxmlformats.org/drawingml/2006/main" xmlns:r="http://schemas.openxmlformats.org/officeDocument/2006/relationships" xmlns:p="http://schemas.openxmlformats.org/presentationml/2006/main">
   <p:cSld>
@@ -6222,7 +6742,7 @@
           <a:p>
             <a:r>
               <a:rPr lang="es-ES" dirty="0"/>
-              <a:t>Objetivos cumplidos</a:t>
+              <a:t>Objetivos SDM</a:t>
             </a:r>
           </a:p>
         </p:txBody>
@@ -6239,30 +6759,55 @@
         </p:nvSpPr>
         <p:spPr/>
         <p:txBody>
-          <a:bodyPr/>
-          <a:lstStyle/>
-          <a:p>
-            <a:r>
-              <a:rPr lang="es-ES" dirty="0"/>
-              <a:t>Cambio de tecnología</a:t>
-            </a:r>
-          </a:p>
-          <a:p>
-            <a:r>
-              <a:rPr lang="es-ES" dirty="0"/>
-              <a:t>Imposibilidad de cumplir</a:t>
-            </a:r>
-          </a:p>
-          <a:p>
-            <a:r>
-              <a:rPr lang="es-ES" dirty="0"/>
-              <a:t>Pero si en el futuro cercano</a:t>
-            </a:r>
-          </a:p>
-          <a:p>
-            <a:r>
-              <a:rPr lang="es-ES" dirty="0"/>
-              <a:t>Salimos reforzados por la investigación</a:t>
+          <a:bodyPr>
+            <a:normAutofit/>
+          </a:bodyPr>
+          <a:lstStyle/>
+          <a:p>
+            <a:pPr marL="0" indent="0">
+              <a:buNone/>
+            </a:pPr>
+            <a:r>
+              <a:rPr lang="es-ES" sz="2400" dirty="0"/>
+              <a:t> </a:t>
+            </a:r>
+          </a:p>
+          <a:p>
+            <a:r>
+              <a:rPr lang="es-ES" sz="2400" dirty="0"/>
+              <a:t>Delegar autenticación</a:t>
+            </a:r>
+          </a:p>
+          <a:p>
+            <a:r>
+              <a:rPr lang="es-ES" sz="2400" dirty="0"/>
+              <a:t>Gestión de contenidos</a:t>
+            </a:r>
+          </a:p>
+          <a:p>
+            <a:r>
+              <a:rPr lang="es-ES" sz="2400" dirty="0"/>
+              <a:t>Transformación de formatos</a:t>
+            </a:r>
+          </a:p>
+          <a:p>
+            <a:r>
+              <a:rPr lang="es-ES" sz="2400" dirty="0"/>
+              <a:t>Difusión y posicionamiento</a:t>
+            </a:r>
+          </a:p>
+          <a:p>
+            <a:r>
+              <a:rPr lang="es-ES" sz="2400" dirty="0"/>
+              <a:t>Consumo </a:t>
+            </a:r>
+            <a:r>
+              <a:rPr lang="es-ES" sz="2400" dirty="0" err="1"/>
+              <a:t>API’s</a:t>
+            </a:r>
+            <a:r>
+              <a:rPr lang="es-ES" sz="2400" dirty="0"/>
+              <a:t> de terceros y propias</a:t>
             </a:r>
           </a:p>
         </p:txBody>
@@ -6270,7 +6815,7 @@
     </p:spTree>
     <p:extLst>
       <p:ext uri="{BB962C8B-B14F-4D97-AF65-F5344CB8AC3E}">
-        <p14:creationId xmlns:p14="http://schemas.microsoft.com/office/powerpoint/2010/main" val="3000945233"/>
+        <p14:creationId xmlns:p14="http://schemas.microsoft.com/office/powerpoint/2010/main" val="3914240520"/>
       </p:ext>
     </p:extLst>
   </p:cSld>
@@ -6299,7 +6844,7 @@
       </p:grpSpPr>
       <p:sp>
         <p:nvSpPr>
-          <p:cNvPr id="11" name="Título 10"/>
+          <p:cNvPr id="2" name="Título 1"/>
           <p:cNvSpPr>
             <a:spLocks noGrp="1"/>
           </p:cNvSpPr>
@@ -6314,15 +6859,340 @@
           <a:p>
             <a:r>
               <a:rPr lang="es-ES" dirty="0"/>
-              <a:t>CONCLUSIONES</a:t>
-            </a:r>
+              <a:t>Delegar Autenticación</a:t>
+            </a:r>
+          </a:p>
+        </p:txBody>
+      </p:sp>
+      <p:sp>
+        <p:nvSpPr>
+          <p:cNvPr id="3" name="Marcador de contenido 2"/>
+          <p:cNvSpPr>
+            <a:spLocks noGrp="1"/>
+          </p:cNvSpPr>
+          <p:nvPr>
+            <p:ph idx="1"/>
+          </p:nvPr>
+        </p:nvSpPr>
+        <p:spPr/>
+        <p:txBody>
+          <a:bodyPr/>
+          <a:lstStyle/>
+          <a:p>
+            <a:r>
+              <a:rPr lang="es-ES" dirty="0"/>
+              <a:t>Uso de </a:t>
+            </a:r>
+            <a:r>
+              <a:rPr lang="es-ES" dirty="0" err="1"/>
+              <a:t>Oauth</a:t>
+            </a:r>
+            <a:r>
+              <a:rPr lang="es-ES" dirty="0"/>
+              <a:t> 2.0</a:t>
+            </a:r>
+          </a:p>
+          <a:p>
+            <a:r>
+              <a:rPr lang="es-ES" dirty="0"/>
+              <a:t>No ha sido posible de implementar debido a problemas con el desarrollo del </a:t>
+            </a:r>
+            <a:r>
+              <a:rPr lang="es-ES" dirty="0" err="1"/>
+              <a:t>Backend</a:t>
+            </a:r>
+            <a:endParaRPr lang="es-ES" dirty="0"/>
+          </a:p>
+          <a:p>
+            <a:endParaRPr lang="es-ES" dirty="0"/>
           </a:p>
         </p:txBody>
       </p:sp>
     </p:spTree>
     <p:extLst>
       <p:ext uri="{BB962C8B-B14F-4D97-AF65-F5344CB8AC3E}">
-        <p14:creationId xmlns:p14="http://schemas.microsoft.com/office/powerpoint/2010/main" val="3410398186"/>
+        <p14:creationId xmlns:p14="http://schemas.microsoft.com/office/powerpoint/2010/main" val="3925982120"/>
+      </p:ext>
+    </p:extLst>
+  </p:cSld>
+  <p:clrMapOvr>
+    <a:masterClrMapping/>
+  </p:clrMapOvr>
+</p:sld>
+</file>
+
+<file path=ppt/slides/slide8.xml><?xml version="1.0" encoding="utf-8"?>
+<p:sld xmlns:a="http://schemas.openxmlformats.org/drawingml/2006/main" xmlns:r="http://schemas.openxmlformats.org/officeDocument/2006/relationships" xmlns:p="http://schemas.openxmlformats.org/presentationml/2006/main">
+  <p:cSld>
+    <p:spTree>
+      <p:nvGrpSpPr>
+        <p:cNvPr id="1" name=""/>
+        <p:cNvGrpSpPr/>
+        <p:nvPr/>
+      </p:nvGrpSpPr>
+      <p:grpSpPr>
+        <a:xfrm>
+          <a:off x="0" y="0"/>
+          <a:ext cx="0" cy="0"/>
+          <a:chOff x="0" y="0"/>
+          <a:chExt cx="0" cy="0"/>
+        </a:xfrm>
+      </p:grpSpPr>
+      <p:sp>
+        <p:nvSpPr>
+          <p:cNvPr id="2" name="Título 1"/>
+          <p:cNvSpPr>
+            <a:spLocks noGrp="1"/>
+          </p:cNvSpPr>
+          <p:nvPr>
+            <p:ph type="title"/>
+          </p:nvPr>
+        </p:nvSpPr>
+        <p:spPr/>
+        <p:txBody>
+          <a:bodyPr/>
+          <a:lstStyle/>
+          <a:p>
+            <a:r>
+              <a:rPr lang="es-ES" dirty="0"/>
+              <a:t>Gestión de Contenidos</a:t>
+            </a:r>
+          </a:p>
+        </p:txBody>
+      </p:sp>
+      <p:sp>
+        <p:nvSpPr>
+          <p:cNvPr id="3" name="Marcador de contenido 2"/>
+          <p:cNvSpPr>
+            <a:spLocks noGrp="1"/>
+          </p:cNvSpPr>
+          <p:nvPr>
+            <p:ph idx="1"/>
+          </p:nvPr>
+        </p:nvSpPr>
+        <p:spPr>
+          <a:xfrm>
+            <a:off x="818712" y="2460826"/>
+            <a:ext cx="10554574" cy="3636511"/>
+          </a:xfrm>
+        </p:spPr>
+        <p:txBody>
+          <a:bodyPr>
+            <a:normAutofit/>
+          </a:bodyPr>
+          <a:lstStyle/>
+          <a:p>
+            <a:r>
+              <a:rPr lang="es-ES" sz="2800" dirty="0"/>
+              <a:t>Plantillas para hacer tutorías, autorizaciones o justificantes</a:t>
+            </a:r>
+          </a:p>
+          <a:p>
+            <a:pPr marL="0" indent="0">
+              <a:buNone/>
+            </a:pPr>
+            <a:endParaRPr lang="es-ES" sz="2800" dirty="0"/>
+          </a:p>
+          <a:p>
+            <a:r>
+              <a:rPr lang="es-ES" sz="2800" dirty="0"/>
+              <a:t>Materiales de las asignaturas subidas por los profesores</a:t>
+            </a:r>
+          </a:p>
+          <a:p>
+            <a:pPr marL="0" indent="0">
+              <a:buNone/>
+            </a:pPr>
+            <a:endParaRPr lang="es-ES" sz="2800" dirty="0"/>
+          </a:p>
+          <a:p>
+            <a:r>
+              <a:rPr lang="es-ES" sz="2800" dirty="0"/>
+              <a:t>Notas de exámenes y evaluaciones (?)</a:t>
+            </a:r>
+          </a:p>
+        </p:txBody>
+      </p:sp>
+    </p:spTree>
+    <p:extLst>
+      <p:ext uri="{BB962C8B-B14F-4D97-AF65-F5344CB8AC3E}">
+        <p14:creationId xmlns:p14="http://schemas.microsoft.com/office/powerpoint/2010/main" val="2308369073"/>
+      </p:ext>
+    </p:extLst>
+  </p:cSld>
+  <p:clrMapOvr>
+    <a:masterClrMapping/>
+  </p:clrMapOvr>
+</p:sld>
+</file>
+
+<file path=ppt/slides/slide9.xml><?xml version="1.0" encoding="utf-8"?>
+<p:sld xmlns:a="http://schemas.openxmlformats.org/drawingml/2006/main" xmlns:r="http://schemas.openxmlformats.org/officeDocument/2006/relationships" xmlns:p="http://schemas.openxmlformats.org/presentationml/2006/main">
+  <p:cSld>
+    <p:spTree>
+      <p:nvGrpSpPr>
+        <p:cNvPr id="1" name=""/>
+        <p:cNvGrpSpPr/>
+        <p:nvPr/>
+      </p:nvGrpSpPr>
+      <p:grpSpPr>
+        <a:xfrm>
+          <a:off x="0" y="0"/>
+          <a:ext cx="0" cy="0"/>
+          <a:chOff x="0" y="0"/>
+          <a:chExt cx="0" cy="0"/>
+        </a:xfrm>
+      </p:grpSpPr>
+      <p:sp>
+        <p:nvSpPr>
+          <p:cNvPr id="2" name="Título 1"/>
+          <p:cNvSpPr>
+            <a:spLocks noGrp="1"/>
+          </p:cNvSpPr>
+          <p:nvPr>
+            <p:ph type="title"/>
+          </p:nvPr>
+        </p:nvSpPr>
+        <p:spPr/>
+        <p:txBody>
+          <a:bodyPr/>
+          <a:lstStyle/>
+          <a:p>
+            <a:r>
+              <a:rPr lang="es-ES" dirty="0"/>
+              <a:t>Transformación de formatos</a:t>
+            </a:r>
+          </a:p>
+        </p:txBody>
+      </p:sp>
+      <p:sp>
+        <p:nvSpPr>
+          <p:cNvPr id="3" name="Marcador de contenido 2"/>
+          <p:cNvSpPr>
+            <a:spLocks noGrp="1"/>
+          </p:cNvSpPr>
+          <p:nvPr>
+            <p:ph idx="1"/>
+          </p:nvPr>
+        </p:nvSpPr>
+        <p:spPr>
+          <a:xfrm>
+            <a:off x="818712" y="2023504"/>
+            <a:ext cx="10554574" cy="3636511"/>
+          </a:xfrm>
+        </p:spPr>
+        <p:txBody>
+          <a:bodyPr/>
+          <a:lstStyle/>
+          <a:p>
+            <a:r>
+              <a:rPr lang="es-ES" sz="2400" dirty="0"/>
+              <a:t>Librería </a:t>
+            </a:r>
+            <a:r>
+              <a:rPr lang="es-ES" sz="2400" dirty="0" err="1"/>
+              <a:t>dompdf</a:t>
+            </a:r>
+            <a:endParaRPr lang="es-ES" sz="2400" dirty="0"/>
+          </a:p>
+          <a:p>
+            <a:r>
+              <a:rPr lang="es-ES" sz="2400" dirty="0"/>
+              <a:t>Transforma formatos </a:t>
+            </a:r>
+            <a:r>
+              <a:rPr lang="es-ES" sz="2400" dirty="0" err="1"/>
+              <a:t>html</a:t>
+            </a:r>
+            <a:r>
+              <a:rPr lang="es-ES" sz="2400" dirty="0"/>
+              <a:t> en </a:t>
+            </a:r>
+            <a:r>
+              <a:rPr lang="es-ES" sz="2400" dirty="0" err="1"/>
+              <a:t>pdf</a:t>
+            </a:r>
+            <a:r>
+              <a:rPr lang="es-ES" sz="2400" dirty="0"/>
+              <a:t>, </a:t>
+            </a:r>
+            <a:r>
+              <a:rPr lang="es-ES" sz="2400" dirty="0" err="1"/>
+              <a:t>doc</a:t>
+            </a:r>
+            <a:r>
+              <a:rPr lang="es-ES" sz="2400" dirty="0"/>
+              <a:t> o </a:t>
+            </a:r>
+            <a:r>
+              <a:rPr lang="es-ES" sz="2400" dirty="0" err="1"/>
+              <a:t>xls</a:t>
+            </a:r>
+            <a:endParaRPr lang="es-ES" sz="2400" dirty="0"/>
+          </a:p>
+          <a:p>
+            <a:r>
+              <a:rPr lang="es-ES" sz="2400" dirty="0"/>
+              <a:t>Fácil de implementar</a:t>
+            </a:r>
+          </a:p>
+          <a:p>
+            <a:endParaRPr lang="es-ES" dirty="0"/>
+          </a:p>
+        </p:txBody>
+      </p:sp>
+      <p:pic>
+        <p:nvPicPr>
+          <p:cNvPr id="4" name="Imagen 3"/>
+          <p:cNvPicPr>
+            <a:picLocks noChangeAspect="1"/>
+          </p:cNvPicPr>
+          <p:nvPr/>
+        </p:nvPicPr>
+        <p:blipFill>
+          <a:blip r:embed="rId2"/>
+          <a:stretch>
+            <a:fillRect/>
+          </a:stretch>
+        </p:blipFill>
+        <p:spPr>
+          <a:xfrm>
+            <a:off x="6927965" y="4691929"/>
+            <a:ext cx="3421983" cy="1522327"/>
+          </a:xfrm>
+          <a:prstGeom prst="rect">
+            <a:avLst/>
+          </a:prstGeom>
+        </p:spPr>
+      </p:pic>
+      <p:pic>
+        <p:nvPicPr>
+          <p:cNvPr id="5" name="Imagen 4"/>
+          <p:cNvPicPr>
+            <a:picLocks noChangeAspect="1"/>
+          </p:cNvPicPr>
+          <p:nvPr/>
+        </p:nvPicPr>
+        <p:blipFill>
+          <a:blip r:embed="rId3"/>
+          <a:stretch>
+            <a:fillRect/>
+          </a:stretch>
+        </p:blipFill>
+        <p:spPr>
+          <a:xfrm>
+            <a:off x="1839129" y="4691930"/>
+            <a:ext cx="3261197" cy="1522327"/>
+          </a:xfrm>
+          <a:prstGeom prst="rect">
+            <a:avLst/>
+          </a:prstGeom>
+        </p:spPr>
+      </p:pic>
+    </p:spTree>
+    <p:extLst>
+      <p:ext uri="{BB962C8B-B14F-4D97-AF65-F5344CB8AC3E}">
+        <p14:creationId xmlns:p14="http://schemas.microsoft.com/office/powerpoint/2010/main" val="1397519032"/>
       </p:ext>
     </p:extLst>
   </p:cSld>
